--- a/Figures/Diagrams.pptx
+++ b/Figures/Diagrams.pptx
@@ -250,7 +250,7 @@
           <a:p>
             <a:fld id="{5E245D02-7923-4BD9-90C9-E0C9AC8C2F37}" type="datetimeFigureOut">
               <a:rPr lang="en-GB" smtClean="0"/>
-              <a:t>25/03/2021</a:t>
+              <a:t>26/03/2021</a:t>
             </a:fld>
             <a:endParaRPr lang="en-GB"/>
           </a:p>
@@ -420,7 +420,7 @@
           <a:p>
             <a:fld id="{5E245D02-7923-4BD9-90C9-E0C9AC8C2F37}" type="datetimeFigureOut">
               <a:rPr lang="en-GB" smtClean="0"/>
-              <a:t>25/03/2021</a:t>
+              <a:t>26/03/2021</a:t>
             </a:fld>
             <a:endParaRPr lang="en-GB"/>
           </a:p>
@@ -600,7 +600,7 @@
           <a:p>
             <a:fld id="{5E245D02-7923-4BD9-90C9-E0C9AC8C2F37}" type="datetimeFigureOut">
               <a:rPr lang="en-GB" smtClean="0"/>
-              <a:t>25/03/2021</a:t>
+              <a:t>26/03/2021</a:t>
             </a:fld>
             <a:endParaRPr lang="en-GB"/>
           </a:p>
@@ -770,7 +770,7 @@
           <a:p>
             <a:fld id="{5E245D02-7923-4BD9-90C9-E0C9AC8C2F37}" type="datetimeFigureOut">
               <a:rPr lang="en-GB" smtClean="0"/>
-              <a:t>25/03/2021</a:t>
+              <a:t>26/03/2021</a:t>
             </a:fld>
             <a:endParaRPr lang="en-GB"/>
           </a:p>
@@ -1014,7 +1014,7 @@
           <a:p>
             <a:fld id="{5E245D02-7923-4BD9-90C9-E0C9AC8C2F37}" type="datetimeFigureOut">
               <a:rPr lang="en-GB" smtClean="0"/>
-              <a:t>25/03/2021</a:t>
+              <a:t>26/03/2021</a:t>
             </a:fld>
             <a:endParaRPr lang="en-GB"/>
           </a:p>
@@ -1246,7 +1246,7 @@
           <a:p>
             <a:fld id="{5E245D02-7923-4BD9-90C9-E0C9AC8C2F37}" type="datetimeFigureOut">
               <a:rPr lang="en-GB" smtClean="0"/>
-              <a:t>25/03/2021</a:t>
+              <a:t>26/03/2021</a:t>
             </a:fld>
             <a:endParaRPr lang="en-GB"/>
           </a:p>
@@ -1613,7 +1613,7 @@
           <a:p>
             <a:fld id="{5E245D02-7923-4BD9-90C9-E0C9AC8C2F37}" type="datetimeFigureOut">
               <a:rPr lang="en-GB" smtClean="0"/>
-              <a:t>25/03/2021</a:t>
+              <a:t>26/03/2021</a:t>
             </a:fld>
             <a:endParaRPr lang="en-GB"/>
           </a:p>
@@ -1731,7 +1731,7 @@
           <a:p>
             <a:fld id="{5E245D02-7923-4BD9-90C9-E0C9AC8C2F37}" type="datetimeFigureOut">
               <a:rPr lang="en-GB" smtClean="0"/>
-              <a:t>25/03/2021</a:t>
+              <a:t>26/03/2021</a:t>
             </a:fld>
             <a:endParaRPr lang="en-GB"/>
           </a:p>
@@ -1826,7 +1826,7 @@
           <a:p>
             <a:fld id="{5E245D02-7923-4BD9-90C9-E0C9AC8C2F37}" type="datetimeFigureOut">
               <a:rPr lang="en-GB" smtClean="0"/>
-              <a:t>25/03/2021</a:t>
+              <a:t>26/03/2021</a:t>
             </a:fld>
             <a:endParaRPr lang="en-GB"/>
           </a:p>
@@ -2103,7 +2103,7 @@
           <a:p>
             <a:fld id="{5E245D02-7923-4BD9-90C9-E0C9AC8C2F37}" type="datetimeFigureOut">
               <a:rPr lang="en-GB" smtClean="0"/>
-              <a:t>25/03/2021</a:t>
+              <a:t>26/03/2021</a:t>
             </a:fld>
             <a:endParaRPr lang="en-GB"/>
           </a:p>
@@ -2360,7 +2360,7 @@
           <a:p>
             <a:fld id="{5E245D02-7923-4BD9-90C9-E0C9AC8C2F37}" type="datetimeFigureOut">
               <a:rPr lang="en-GB" smtClean="0"/>
-              <a:t>25/03/2021</a:t>
+              <a:t>26/03/2021</a:t>
             </a:fld>
             <a:endParaRPr lang="en-GB"/>
           </a:p>
@@ -2573,7 +2573,7 @@
           <a:p>
             <a:fld id="{5E245D02-7923-4BD9-90C9-E0C9AC8C2F37}" type="datetimeFigureOut">
               <a:rPr lang="en-GB" smtClean="0"/>
-              <a:t>25/03/2021</a:t>
+              <a:t>26/03/2021</a:t>
             </a:fld>
             <a:endParaRPr lang="en-GB"/>
           </a:p>
@@ -11085,10 +11085,10 @@
       </p:grpSpPr>
       <p:graphicFrame>
         <p:nvGraphicFramePr>
-          <p:cNvPr id="187" name="Table 4">
+          <p:cNvPr id="154" name="Table 4">
             <a:extLst>
               <a:ext uri="{FF2B5EF4-FFF2-40B4-BE49-F238E27FC236}">
-                <a16:creationId xmlns:a16="http://schemas.microsoft.com/office/drawing/2014/main" id="{DC150F93-0285-4322-AF4D-4BE3085A67F3}"/>
+                <a16:creationId xmlns:a16="http://schemas.microsoft.com/office/drawing/2014/main" id="{236A34A8-6556-4270-B2BD-FBCE4AEEB7AC}"/>
               </a:ext>
             </a:extLst>
           </p:cNvPr>
@@ -11098,7 +11098,7 @@
           <p:nvPr>
             <p:extLst>
               <p:ext uri="{D42A27DB-BD31-4B8C-83A1-F6EECF244321}">
-                <p14:modId xmlns:p14="http://schemas.microsoft.com/office/powerpoint/2010/main" val="3058538204"/>
+                <p14:modId xmlns:p14="http://schemas.microsoft.com/office/powerpoint/2010/main" val="906811151"/>
               </p:ext>
             </p:extLst>
           </p:nvPr>
@@ -12445,10 +12445,10 @@
       </p:graphicFrame>
       <p:cxnSp>
         <p:nvCxnSpPr>
-          <p:cNvPr id="188" name="Straight Arrow Connector 187">
+          <p:cNvPr id="155" name="Straight Arrow Connector 154">
             <a:extLst>
               <a:ext uri="{FF2B5EF4-FFF2-40B4-BE49-F238E27FC236}">
-                <a16:creationId xmlns:a16="http://schemas.microsoft.com/office/drawing/2014/main" id="{E36DAE20-30AE-48B6-8F11-2C3611D64FA2}"/>
+                <a16:creationId xmlns:a16="http://schemas.microsoft.com/office/drawing/2014/main" id="{21CCB266-97CC-4C96-A8DD-056CC0947FC5}"/>
               </a:ext>
             </a:extLst>
           </p:cNvPr>
@@ -12492,10 +12492,10 @@
       </p:cxnSp>
       <p:cxnSp>
         <p:nvCxnSpPr>
-          <p:cNvPr id="189" name="Straight Arrow Connector 188">
+          <p:cNvPr id="156" name="Straight Arrow Connector 155">
             <a:extLst>
               <a:ext uri="{FF2B5EF4-FFF2-40B4-BE49-F238E27FC236}">
-                <a16:creationId xmlns:a16="http://schemas.microsoft.com/office/drawing/2014/main" id="{B17850C8-135E-463F-8F5C-2881D0BF2B7C}"/>
+                <a16:creationId xmlns:a16="http://schemas.microsoft.com/office/drawing/2014/main" id="{1F2D34A8-1076-46A4-8F23-F339513DCA88}"/>
               </a:ext>
             </a:extLst>
           </p:cNvPr>
@@ -12539,10 +12539,10 @@
         <mc:Choice xmlns:a14="http://schemas.microsoft.com/office/drawing/2010/main" Requires="a14">
           <p:sp>
             <p:nvSpPr>
-              <p:cNvPr id="190" name="TextBox 189">
+              <p:cNvPr id="157" name="TextBox 156">
                 <a:extLst>
                   <a:ext uri="{FF2B5EF4-FFF2-40B4-BE49-F238E27FC236}">
-                    <a16:creationId xmlns:a16="http://schemas.microsoft.com/office/drawing/2014/main" id="{C01C5373-3702-4425-A6F9-BD95FA95C568}"/>
+                    <a16:creationId xmlns:a16="http://schemas.microsoft.com/office/drawing/2014/main" id="{66126B2B-3E27-49AB-8160-CCC7B1556F9C}"/>
                   </a:ext>
                 </a:extLst>
               </p:cNvPr>
@@ -12586,10 +12586,10 @@
         <mc:Fallback>
           <p:sp>
             <p:nvSpPr>
-              <p:cNvPr id="190" name="TextBox 189">
+              <p:cNvPr id="157" name="TextBox 156">
                 <a:extLst>
                   <a:ext uri="{FF2B5EF4-FFF2-40B4-BE49-F238E27FC236}">
-                    <a16:creationId xmlns:a16="http://schemas.microsoft.com/office/drawing/2014/main" id="{C01C5373-3702-4425-A6F9-BD95FA95C568}"/>
+                    <a16:creationId xmlns:a16="http://schemas.microsoft.com/office/drawing/2014/main" id="{66126B2B-3E27-49AB-8160-CCC7B1556F9C}"/>
                   </a:ext>
                 </a:extLst>
               </p:cNvPr>
@@ -12632,10 +12632,10 @@
         <mc:Choice xmlns:a14="http://schemas.microsoft.com/office/drawing/2010/main" Requires="a14">
           <p:sp>
             <p:nvSpPr>
-              <p:cNvPr id="191" name="TextBox 190">
+              <p:cNvPr id="158" name="TextBox 157">
                 <a:extLst>
                   <a:ext uri="{FF2B5EF4-FFF2-40B4-BE49-F238E27FC236}">
-                    <a16:creationId xmlns:a16="http://schemas.microsoft.com/office/drawing/2014/main" id="{5D08C3C3-17AB-487F-93A2-AA99FE68E5F2}"/>
+                    <a16:creationId xmlns:a16="http://schemas.microsoft.com/office/drawing/2014/main" id="{7F81A2C3-0FD5-4C9A-9309-72C2570ADB34}"/>
                   </a:ext>
                 </a:extLst>
               </p:cNvPr>
@@ -12679,10 +12679,10 @@
         <mc:Fallback>
           <p:sp>
             <p:nvSpPr>
-              <p:cNvPr id="191" name="TextBox 190">
+              <p:cNvPr id="158" name="TextBox 157">
                 <a:extLst>
                   <a:ext uri="{FF2B5EF4-FFF2-40B4-BE49-F238E27FC236}">
-                    <a16:creationId xmlns:a16="http://schemas.microsoft.com/office/drawing/2014/main" id="{5D08C3C3-17AB-487F-93A2-AA99FE68E5F2}"/>
+                    <a16:creationId xmlns:a16="http://schemas.microsoft.com/office/drawing/2014/main" id="{7F81A2C3-0FD5-4C9A-9309-72C2570ADB34}"/>
                   </a:ext>
                 </a:extLst>
               </p:cNvPr>
@@ -12725,10 +12725,10 @@
         <mc:Choice xmlns:a14="http://schemas.microsoft.com/office/drawing/2010/main" Requires="a14">
           <p:sp>
             <p:nvSpPr>
-              <p:cNvPr id="192" name="TextBox 191">
+              <p:cNvPr id="159" name="TextBox 158">
                 <a:extLst>
                   <a:ext uri="{FF2B5EF4-FFF2-40B4-BE49-F238E27FC236}">
-                    <a16:creationId xmlns:a16="http://schemas.microsoft.com/office/drawing/2014/main" id="{A693C8AC-0C49-426F-B687-062A0DA3A827}"/>
+                    <a16:creationId xmlns:a16="http://schemas.microsoft.com/office/drawing/2014/main" id="{FD05A9AE-5870-43B7-9C92-D277C170BD38}"/>
                   </a:ext>
                 </a:extLst>
               </p:cNvPr>
@@ -12751,6 +12751,7 @@
               </a:bodyPr>
               <a:lstStyle/>
               <a:p>
+                <a:pPr/>
                 <a14:m>
                   <m:oMathPara xmlns:m="http://schemas.openxmlformats.org/officeDocument/2006/math">
                     <m:oMathParaPr>
@@ -12770,7 +12771,7 @@
                             <a:rPr lang="en-GB" b="0" i="1" smtClean="0">
                               <a:latin typeface="Cambria Math" panose="02040503050406030204" pitchFamily="18" charset="0"/>
                             </a:rPr>
-                            <m:t>𝑀</m:t>
+                            <m:t>𝑁</m:t>
                           </m:r>
                         </m:e>
                         <m:sub>
@@ -12799,10 +12800,10 @@
         <mc:Fallback>
           <p:sp>
             <p:nvSpPr>
-              <p:cNvPr id="192" name="TextBox 191">
+              <p:cNvPr id="159" name="TextBox 158">
                 <a:extLst>
                   <a:ext uri="{FF2B5EF4-FFF2-40B4-BE49-F238E27FC236}">
-                    <a16:creationId xmlns:a16="http://schemas.microsoft.com/office/drawing/2014/main" id="{A693C8AC-0C49-426F-B687-062A0DA3A827}"/>
+                    <a16:creationId xmlns:a16="http://schemas.microsoft.com/office/drawing/2014/main" id="{FD05A9AE-5870-43B7-9C92-D277C170BD38}"/>
                   </a:ext>
                 </a:extLst>
               </p:cNvPr>
@@ -12845,10 +12846,10 @@
         <mc:Choice xmlns:a14="http://schemas.microsoft.com/office/drawing/2010/main" Requires="a14">
           <p:sp>
             <p:nvSpPr>
-              <p:cNvPr id="193" name="TextBox 192">
+              <p:cNvPr id="160" name="TextBox 159">
                 <a:extLst>
                   <a:ext uri="{FF2B5EF4-FFF2-40B4-BE49-F238E27FC236}">
-                    <a16:creationId xmlns:a16="http://schemas.microsoft.com/office/drawing/2014/main" id="{50589458-5D9F-450C-8B65-87A6BE762583}"/>
+                    <a16:creationId xmlns:a16="http://schemas.microsoft.com/office/drawing/2014/main" id="{0C79ED8B-AD19-424D-905B-8EC8A9454EC4}"/>
                   </a:ext>
                 </a:extLst>
               </p:cNvPr>
@@ -12871,6 +12872,7 @@
               </a:bodyPr>
               <a:lstStyle/>
               <a:p>
+                <a:pPr/>
                 <a14:m>
                   <m:oMathPara xmlns:m="http://schemas.openxmlformats.org/officeDocument/2006/math">
                     <m:oMathParaPr>
@@ -12894,10 +12896,10 @@
         <mc:Fallback>
           <p:sp>
             <p:nvSpPr>
-              <p:cNvPr id="193" name="TextBox 192">
+              <p:cNvPr id="160" name="TextBox 159">
                 <a:extLst>
                   <a:ext uri="{FF2B5EF4-FFF2-40B4-BE49-F238E27FC236}">
-                    <a16:creationId xmlns:a16="http://schemas.microsoft.com/office/drawing/2014/main" id="{50589458-5D9F-450C-8B65-87A6BE762583}"/>
+                    <a16:creationId xmlns:a16="http://schemas.microsoft.com/office/drawing/2014/main" id="{0C79ED8B-AD19-424D-905B-8EC8A9454EC4}"/>
                   </a:ext>
                 </a:extLst>
               </p:cNvPr>
@@ -12940,10 +12942,10 @@
         <mc:Choice xmlns:a14="http://schemas.microsoft.com/office/drawing/2010/main" Requires="a14">
           <p:sp>
             <p:nvSpPr>
-              <p:cNvPr id="194" name="TextBox 193">
+              <p:cNvPr id="161" name="TextBox 160">
                 <a:extLst>
                   <a:ext uri="{FF2B5EF4-FFF2-40B4-BE49-F238E27FC236}">
-                    <a16:creationId xmlns:a16="http://schemas.microsoft.com/office/drawing/2014/main" id="{38727177-6DED-400C-A19C-3F2769DAC198}"/>
+                    <a16:creationId xmlns:a16="http://schemas.microsoft.com/office/drawing/2014/main" id="{5B541AAF-702C-4CE8-A6F0-ABED4B4E49A8}"/>
                   </a:ext>
                 </a:extLst>
               </p:cNvPr>
@@ -12966,6 +12968,7 @@
               </a:bodyPr>
               <a:lstStyle/>
               <a:p>
+                <a:pPr/>
                 <a14:m>
                   <m:oMathPara xmlns:m="http://schemas.openxmlformats.org/officeDocument/2006/math">
                     <m:oMathParaPr>
@@ -12989,10 +12992,10 @@
         <mc:Fallback>
           <p:sp>
             <p:nvSpPr>
-              <p:cNvPr id="194" name="TextBox 193">
+              <p:cNvPr id="161" name="TextBox 160">
                 <a:extLst>
                   <a:ext uri="{FF2B5EF4-FFF2-40B4-BE49-F238E27FC236}">
-                    <a16:creationId xmlns:a16="http://schemas.microsoft.com/office/drawing/2014/main" id="{38727177-6DED-400C-A19C-3F2769DAC198}"/>
+                    <a16:creationId xmlns:a16="http://schemas.microsoft.com/office/drawing/2014/main" id="{5B541AAF-702C-4CE8-A6F0-ABED4B4E49A8}"/>
                   </a:ext>
                 </a:extLst>
               </p:cNvPr>
@@ -13035,10 +13038,10 @@
         <mc:Choice xmlns:a14="http://schemas.microsoft.com/office/drawing/2010/main" Requires="a14">
           <p:sp>
             <p:nvSpPr>
-              <p:cNvPr id="195" name="TextBox 194">
+              <p:cNvPr id="162" name="TextBox 161">
                 <a:extLst>
                   <a:ext uri="{FF2B5EF4-FFF2-40B4-BE49-F238E27FC236}">
-                    <a16:creationId xmlns:a16="http://schemas.microsoft.com/office/drawing/2014/main" id="{D0602ECA-B9F2-4426-B159-A9B2AD18C0C2}"/>
+                    <a16:creationId xmlns:a16="http://schemas.microsoft.com/office/drawing/2014/main" id="{0493E50A-C9D8-4827-A8CF-C4D92469A7A3}"/>
                   </a:ext>
                 </a:extLst>
               </p:cNvPr>
@@ -13061,6 +13064,7 @@
               </a:bodyPr>
               <a:lstStyle/>
               <a:p>
+                <a:pPr/>
                 <a14:m>
                   <m:oMathPara xmlns:m="http://schemas.openxmlformats.org/officeDocument/2006/math">
                     <m:oMathParaPr>
@@ -13080,7 +13084,7 @@
                             <a:rPr lang="en-GB" b="0" i="1" smtClean="0">
                               <a:latin typeface="Cambria Math" panose="02040503050406030204" pitchFamily="18" charset="0"/>
                             </a:rPr>
-                            <m:t>𝑀</m:t>
+                            <m:t>𝑁</m:t>
                           </m:r>
                         </m:e>
                         <m:sub>
@@ -13109,10 +13113,10 @@
         <mc:Fallback>
           <p:sp>
             <p:nvSpPr>
-              <p:cNvPr id="195" name="TextBox 194">
+              <p:cNvPr id="162" name="TextBox 161">
                 <a:extLst>
                   <a:ext uri="{FF2B5EF4-FFF2-40B4-BE49-F238E27FC236}">
-                    <a16:creationId xmlns:a16="http://schemas.microsoft.com/office/drawing/2014/main" id="{D0602ECA-B9F2-4426-B159-A9B2AD18C0C2}"/>
+                    <a16:creationId xmlns:a16="http://schemas.microsoft.com/office/drawing/2014/main" id="{0493E50A-C9D8-4827-A8CF-C4D92469A7A3}"/>
                   </a:ext>
                 </a:extLst>
               </p:cNvPr>
@@ -13153,10 +13157,10 @@
       </mc:AlternateContent>
       <p:sp>
         <p:nvSpPr>
-          <p:cNvPr id="196" name="Oval 195">
+          <p:cNvPr id="163" name="Oval 162">
             <a:extLst>
               <a:ext uri="{FF2B5EF4-FFF2-40B4-BE49-F238E27FC236}">
-                <a16:creationId xmlns:a16="http://schemas.microsoft.com/office/drawing/2014/main" id="{37F96AE8-C3DF-481F-8AA8-18DA0D7C9A98}"/>
+                <a16:creationId xmlns:a16="http://schemas.microsoft.com/office/drawing/2014/main" id="{BCBC667F-F031-41F7-AA3D-9F3568E18C1C}"/>
               </a:ext>
             </a:extLst>
           </p:cNvPr>
@@ -13202,10 +13206,10 @@
       </p:sp>
       <p:sp>
         <p:nvSpPr>
-          <p:cNvPr id="197" name="Oval 196">
+          <p:cNvPr id="164" name="Oval 163">
             <a:extLst>
               <a:ext uri="{FF2B5EF4-FFF2-40B4-BE49-F238E27FC236}">
-                <a16:creationId xmlns:a16="http://schemas.microsoft.com/office/drawing/2014/main" id="{4F500A0F-2C8A-4A58-A930-DF5DADE75F9E}"/>
+                <a16:creationId xmlns:a16="http://schemas.microsoft.com/office/drawing/2014/main" id="{83643ED4-A3BF-46C4-90EB-2D2E2E49BE92}"/>
               </a:ext>
             </a:extLst>
           </p:cNvPr>
@@ -13251,10 +13255,10 @@
       </p:sp>
       <p:sp>
         <p:nvSpPr>
-          <p:cNvPr id="198" name="Oval 197">
+          <p:cNvPr id="165" name="Oval 164">
             <a:extLst>
               <a:ext uri="{FF2B5EF4-FFF2-40B4-BE49-F238E27FC236}">
-                <a16:creationId xmlns:a16="http://schemas.microsoft.com/office/drawing/2014/main" id="{6C5A38CD-A047-4677-989B-D4C07C59CD70}"/>
+                <a16:creationId xmlns:a16="http://schemas.microsoft.com/office/drawing/2014/main" id="{26CCB0F9-7F31-40A3-8FF8-7F46D3FF7014}"/>
               </a:ext>
             </a:extLst>
           </p:cNvPr>
@@ -13300,10 +13304,10 @@
       </p:sp>
       <p:sp>
         <p:nvSpPr>
-          <p:cNvPr id="199" name="Oval 198">
+          <p:cNvPr id="166" name="Oval 165">
             <a:extLst>
               <a:ext uri="{FF2B5EF4-FFF2-40B4-BE49-F238E27FC236}">
-                <a16:creationId xmlns:a16="http://schemas.microsoft.com/office/drawing/2014/main" id="{0A0F550C-40F2-4D3A-B4F5-E7A68C4CA55E}"/>
+                <a16:creationId xmlns:a16="http://schemas.microsoft.com/office/drawing/2014/main" id="{10DF61B7-3421-4263-9896-F893298F384E}"/>
               </a:ext>
             </a:extLst>
           </p:cNvPr>
@@ -13349,10 +13353,10 @@
       </p:sp>
       <p:sp>
         <p:nvSpPr>
-          <p:cNvPr id="200" name="Oval 199">
+          <p:cNvPr id="167" name="Oval 166">
             <a:extLst>
               <a:ext uri="{FF2B5EF4-FFF2-40B4-BE49-F238E27FC236}">
-                <a16:creationId xmlns:a16="http://schemas.microsoft.com/office/drawing/2014/main" id="{77778B2C-A34B-406A-9C31-89928AB31607}"/>
+                <a16:creationId xmlns:a16="http://schemas.microsoft.com/office/drawing/2014/main" id="{5BA975DE-C3A3-4573-AD01-AF68FC572FC2}"/>
               </a:ext>
             </a:extLst>
           </p:cNvPr>
@@ -13398,10 +13402,10 @@
       </p:sp>
       <p:sp>
         <p:nvSpPr>
-          <p:cNvPr id="201" name="Oval 200">
+          <p:cNvPr id="168" name="Oval 167">
             <a:extLst>
               <a:ext uri="{FF2B5EF4-FFF2-40B4-BE49-F238E27FC236}">
-                <a16:creationId xmlns:a16="http://schemas.microsoft.com/office/drawing/2014/main" id="{8678E26D-A710-4EB0-9A1C-7805A0325B86}"/>
+                <a16:creationId xmlns:a16="http://schemas.microsoft.com/office/drawing/2014/main" id="{E1E8F74D-62D8-414F-92B3-D2C73FDB8A5C}"/>
               </a:ext>
             </a:extLst>
           </p:cNvPr>
@@ -13447,10 +13451,10 @@
       </p:sp>
       <p:sp>
         <p:nvSpPr>
-          <p:cNvPr id="202" name="Oval 201">
+          <p:cNvPr id="169" name="Oval 168">
             <a:extLst>
               <a:ext uri="{FF2B5EF4-FFF2-40B4-BE49-F238E27FC236}">
-                <a16:creationId xmlns:a16="http://schemas.microsoft.com/office/drawing/2014/main" id="{E1C87BA6-3CEA-4225-BF2D-D9B106FA6726}"/>
+                <a16:creationId xmlns:a16="http://schemas.microsoft.com/office/drawing/2014/main" id="{7C16453C-8F94-4BC7-9A16-B3806E80FD61}"/>
               </a:ext>
             </a:extLst>
           </p:cNvPr>
@@ -13496,10 +13500,10 @@
       </p:sp>
       <p:sp>
         <p:nvSpPr>
-          <p:cNvPr id="203" name="Oval 202">
+          <p:cNvPr id="170" name="Oval 169">
             <a:extLst>
               <a:ext uri="{FF2B5EF4-FFF2-40B4-BE49-F238E27FC236}">
-                <a16:creationId xmlns:a16="http://schemas.microsoft.com/office/drawing/2014/main" id="{964207EF-A49D-493E-AA0C-077233E679B7}"/>
+                <a16:creationId xmlns:a16="http://schemas.microsoft.com/office/drawing/2014/main" id="{416A9D7C-6F8C-4F7B-A6C4-A8BC95072F38}"/>
               </a:ext>
             </a:extLst>
           </p:cNvPr>
@@ -13545,10 +13549,10 @@
       </p:sp>
       <p:sp>
         <p:nvSpPr>
-          <p:cNvPr id="204" name="Oval 203">
+          <p:cNvPr id="171" name="Oval 170">
             <a:extLst>
               <a:ext uri="{FF2B5EF4-FFF2-40B4-BE49-F238E27FC236}">
-                <a16:creationId xmlns:a16="http://schemas.microsoft.com/office/drawing/2014/main" id="{222458C0-C3D5-4CA3-A932-807541AA7F31}"/>
+                <a16:creationId xmlns:a16="http://schemas.microsoft.com/office/drawing/2014/main" id="{F76ECD2C-059F-4835-9266-6F3E195812A9}"/>
               </a:ext>
             </a:extLst>
           </p:cNvPr>
@@ -13594,10 +13598,10 @@
       </p:sp>
       <p:sp>
         <p:nvSpPr>
-          <p:cNvPr id="205" name="Oval 204">
+          <p:cNvPr id="172" name="Oval 171">
             <a:extLst>
               <a:ext uri="{FF2B5EF4-FFF2-40B4-BE49-F238E27FC236}">
-                <a16:creationId xmlns:a16="http://schemas.microsoft.com/office/drawing/2014/main" id="{3B27F019-D9DD-4F1B-AB6E-21413339AA40}"/>
+                <a16:creationId xmlns:a16="http://schemas.microsoft.com/office/drawing/2014/main" id="{3C5D8A80-9301-4898-904E-89894F82774B}"/>
               </a:ext>
             </a:extLst>
           </p:cNvPr>
@@ -13643,10 +13647,10 @@
       </p:sp>
       <p:sp>
         <p:nvSpPr>
-          <p:cNvPr id="206" name="Oval 205">
+          <p:cNvPr id="173" name="Oval 172">
             <a:extLst>
               <a:ext uri="{FF2B5EF4-FFF2-40B4-BE49-F238E27FC236}">
-                <a16:creationId xmlns:a16="http://schemas.microsoft.com/office/drawing/2014/main" id="{28F0DD81-B18F-43CF-8B66-6D5225C40021}"/>
+                <a16:creationId xmlns:a16="http://schemas.microsoft.com/office/drawing/2014/main" id="{579941CF-3ABC-46A7-9621-6F12FEFF1FCA}"/>
               </a:ext>
             </a:extLst>
           </p:cNvPr>
@@ -13692,10 +13696,10 @@
       </p:sp>
       <p:sp>
         <p:nvSpPr>
-          <p:cNvPr id="207" name="Oval 206">
+          <p:cNvPr id="174" name="Oval 173">
             <a:extLst>
               <a:ext uri="{FF2B5EF4-FFF2-40B4-BE49-F238E27FC236}">
-                <a16:creationId xmlns:a16="http://schemas.microsoft.com/office/drawing/2014/main" id="{882C6CEC-9586-4D1D-B510-4150FB77F149}"/>
+                <a16:creationId xmlns:a16="http://schemas.microsoft.com/office/drawing/2014/main" id="{6283EA43-CA10-4145-B27C-21BEA85B5BB2}"/>
               </a:ext>
             </a:extLst>
           </p:cNvPr>
@@ -13741,10 +13745,10 @@
       </p:sp>
       <p:sp>
         <p:nvSpPr>
-          <p:cNvPr id="208" name="Oval 207">
+          <p:cNvPr id="175" name="Oval 174">
             <a:extLst>
               <a:ext uri="{FF2B5EF4-FFF2-40B4-BE49-F238E27FC236}">
-                <a16:creationId xmlns:a16="http://schemas.microsoft.com/office/drawing/2014/main" id="{88B06777-3AC9-470B-B9FF-A403725B9AA5}"/>
+                <a16:creationId xmlns:a16="http://schemas.microsoft.com/office/drawing/2014/main" id="{090EF7AF-A801-4389-A56E-11FE8B67E9EE}"/>
               </a:ext>
             </a:extLst>
           </p:cNvPr>
@@ -13790,10 +13794,10 @@
       </p:sp>
       <p:sp>
         <p:nvSpPr>
-          <p:cNvPr id="209" name="Oval 208">
+          <p:cNvPr id="176" name="Oval 175">
             <a:extLst>
               <a:ext uri="{FF2B5EF4-FFF2-40B4-BE49-F238E27FC236}">
-                <a16:creationId xmlns:a16="http://schemas.microsoft.com/office/drawing/2014/main" id="{2CBE59AA-9BDF-4847-8FC2-6780F3509E85}"/>
+                <a16:creationId xmlns:a16="http://schemas.microsoft.com/office/drawing/2014/main" id="{8E5DE81B-803A-4BC7-BBB9-7F77C4A8F96C}"/>
               </a:ext>
             </a:extLst>
           </p:cNvPr>
@@ -13839,10 +13843,10 @@
       </p:sp>
       <p:sp>
         <p:nvSpPr>
-          <p:cNvPr id="210" name="Oval 209">
+          <p:cNvPr id="177" name="Oval 176">
             <a:extLst>
               <a:ext uri="{FF2B5EF4-FFF2-40B4-BE49-F238E27FC236}">
-                <a16:creationId xmlns:a16="http://schemas.microsoft.com/office/drawing/2014/main" id="{5189370C-58F8-4A67-BB31-EB4B85A16F6B}"/>
+                <a16:creationId xmlns:a16="http://schemas.microsoft.com/office/drawing/2014/main" id="{767BC6E4-D83D-48EB-AD8C-3FCE21FDB191}"/>
               </a:ext>
             </a:extLst>
           </p:cNvPr>
@@ -13888,10 +13892,10 @@
       </p:sp>
       <p:sp>
         <p:nvSpPr>
-          <p:cNvPr id="211" name="Oval 210">
+          <p:cNvPr id="178" name="Oval 177">
             <a:extLst>
               <a:ext uri="{FF2B5EF4-FFF2-40B4-BE49-F238E27FC236}">
-                <a16:creationId xmlns:a16="http://schemas.microsoft.com/office/drawing/2014/main" id="{E312071E-E769-4EB0-9896-11119B7F5CC5}"/>
+                <a16:creationId xmlns:a16="http://schemas.microsoft.com/office/drawing/2014/main" id="{0839BF19-F3A1-491C-B427-D4663FB09466}"/>
               </a:ext>
             </a:extLst>
           </p:cNvPr>
@@ -13937,10 +13941,10 @@
       </p:sp>
       <p:sp>
         <p:nvSpPr>
-          <p:cNvPr id="212" name="Oval 211">
+          <p:cNvPr id="179" name="Oval 178">
             <a:extLst>
               <a:ext uri="{FF2B5EF4-FFF2-40B4-BE49-F238E27FC236}">
-                <a16:creationId xmlns:a16="http://schemas.microsoft.com/office/drawing/2014/main" id="{3CAE1F18-2F39-4540-903E-B25798B780D4}"/>
+                <a16:creationId xmlns:a16="http://schemas.microsoft.com/office/drawing/2014/main" id="{B0016822-D458-4EAF-A20B-1087DBCEB580}"/>
               </a:ext>
             </a:extLst>
           </p:cNvPr>
@@ -13986,10 +13990,10 @@
       </p:sp>
       <p:sp>
         <p:nvSpPr>
-          <p:cNvPr id="213" name="Oval 212">
+          <p:cNvPr id="180" name="Oval 179">
             <a:extLst>
               <a:ext uri="{FF2B5EF4-FFF2-40B4-BE49-F238E27FC236}">
-                <a16:creationId xmlns:a16="http://schemas.microsoft.com/office/drawing/2014/main" id="{5ECCBDFC-CDAF-4EE6-9873-A94140648F8D}"/>
+                <a16:creationId xmlns:a16="http://schemas.microsoft.com/office/drawing/2014/main" id="{DB33EF96-106D-40E6-AC12-8E72ECC0B3A1}"/>
               </a:ext>
             </a:extLst>
           </p:cNvPr>
@@ -14035,10 +14039,10 @@
       </p:sp>
       <p:sp>
         <p:nvSpPr>
-          <p:cNvPr id="214" name="Oval 213">
+          <p:cNvPr id="181" name="Oval 180">
             <a:extLst>
               <a:ext uri="{FF2B5EF4-FFF2-40B4-BE49-F238E27FC236}">
-                <a16:creationId xmlns:a16="http://schemas.microsoft.com/office/drawing/2014/main" id="{91C1A897-B280-47B8-81E2-9AA9D736E18B}"/>
+                <a16:creationId xmlns:a16="http://schemas.microsoft.com/office/drawing/2014/main" id="{2F1CE391-A490-4E2C-9FB1-D74D81109819}"/>
               </a:ext>
             </a:extLst>
           </p:cNvPr>
@@ -14084,10 +14088,10 @@
       </p:sp>
       <p:sp>
         <p:nvSpPr>
-          <p:cNvPr id="215" name="Oval 214">
+          <p:cNvPr id="182" name="Oval 181">
             <a:extLst>
               <a:ext uri="{FF2B5EF4-FFF2-40B4-BE49-F238E27FC236}">
-                <a16:creationId xmlns:a16="http://schemas.microsoft.com/office/drawing/2014/main" id="{2A1A27BF-EC5A-4011-B08D-11BB78CDDF7C}"/>
+                <a16:creationId xmlns:a16="http://schemas.microsoft.com/office/drawing/2014/main" id="{E5F05E86-12E8-4DD6-9CAE-05855D514582}"/>
               </a:ext>
             </a:extLst>
           </p:cNvPr>
@@ -14133,10 +14137,10 @@
       </p:sp>
       <p:sp>
         <p:nvSpPr>
-          <p:cNvPr id="216" name="Oval 215">
+          <p:cNvPr id="183" name="Oval 182">
             <a:extLst>
               <a:ext uri="{FF2B5EF4-FFF2-40B4-BE49-F238E27FC236}">
-                <a16:creationId xmlns:a16="http://schemas.microsoft.com/office/drawing/2014/main" id="{BFE6EF8C-FA37-4C79-9DAC-DB22F86D44EB}"/>
+                <a16:creationId xmlns:a16="http://schemas.microsoft.com/office/drawing/2014/main" id="{7FDCC40D-CDBE-4C1C-A1F5-DFC98FBED814}"/>
               </a:ext>
             </a:extLst>
           </p:cNvPr>
@@ -14182,10 +14186,10 @@
       </p:sp>
       <p:sp>
         <p:nvSpPr>
-          <p:cNvPr id="217" name="Oval 216">
+          <p:cNvPr id="184" name="Oval 183">
             <a:extLst>
               <a:ext uri="{FF2B5EF4-FFF2-40B4-BE49-F238E27FC236}">
-                <a16:creationId xmlns:a16="http://schemas.microsoft.com/office/drawing/2014/main" id="{D4BF797D-DBA0-46D6-A0D5-B049F7D257D3}"/>
+                <a16:creationId xmlns:a16="http://schemas.microsoft.com/office/drawing/2014/main" id="{A7C85B17-794E-437F-8F78-4EBEA75A8959}"/>
               </a:ext>
             </a:extLst>
           </p:cNvPr>
@@ -14231,10 +14235,10 @@
       </p:sp>
       <p:sp>
         <p:nvSpPr>
-          <p:cNvPr id="218" name="Oval 217">
+          <p:cNvPr id="185" name="Oval 184">
             <a:extLst>
               <a:ext uri="{FF2B5EF4-FFF2-40B4-BE49-F238E27FC236}">
-                <a16:creationId xmlns:a16="http://schemas.microsoft.com/office/drawing/2014/main" id="{68B2D7E0-2E69-4DCD-9C33-B4E96842911A}"/>
+                <a16:creationId xmlns:a16="http://schemas.microsoft.com/office/drawing/2014/main" id="{851C674F-29C8-43FE-B57F-8668C3D5DD8D}"/>
               </a:ext>
             </a:extLst>
           </p:cNvPr>
@@ -14280,10 +14284,10 @@
       </p:sp>
       <p:sp>
         <p:nvSpPr>
-          <p:cNvPr id="219" name="Oval 218">
+          <p:cNvPr id="186" name="Oval 185">
             <a:extLst>
               <a:ext uri="{FF2B5EF4-FFF2-40B4-BE49-F238E27FC236}">
-                <a16:creationId xmlns:a16="http://schemas.microsoft.com/office/drawing/2014/main" id="{5E00DECE-425A-4BB9-BB87-BCE113D7453C}"/>
+                <a16:creationId xmlns:a16="http://schemas.microsoft.com/office/drawing/2014/main" id="{D0F12530-5B32-4413-86D5-534B03DEF77D}"/>
               </a:ext>
             </a:extLst>
           </p:cNvPr>
@@ -14329,10 +14333,10 @@
       </p:sp>
       <p:sp>
         <p:nvSpPr>
-          <p:cNvPr id="220" name="Oval 219">
+          <p:cNvPr id="339" name="Oval 338">
             <a:extLst>
               <a:ext uri="{FF2B5EF4-FFF2-40B4-BE49-F238E27FC236}">
-                <a16:creationId xmlns:a16="http://schemas.microsoft.com/office/drawing/2014/main" id="{6CDCA209-D74A-4406-937E-DBEF697F51FC}"/>
+                <a16:creationId xmlns:a16="http://schemas.microsoft.com/office/drawing/2014/main" id="{69CB0BC7-D5BC-4605-811E-51CC48D9235C}"/>
               </a:ext>
             </a:extLst>
           </p:cNvPr>
@@ -14378,10 +14382,10 @@
       </p:sp>
       <p:sp>
         <p:nvSpPr>
-          <p:cNvPr id="221" name="Oval 220">
+          <p:cNvPr id="340" name="Oval 339">
             <a:extLst>
               <a:ext uri="{FF2B5EF4-FFF2-40B4-BE49-F238E27FC236}">
-                <a16:creationId xmlns:a16="http://schemas.microsoft.com/office/drawing/2014/main" id="{C2662C03-7F3B-4A5E-B544-9BA0EAC8D034}"/>
+                <a16:creationId xmlns:a16="http://schemas.microsoft.com/office/drawing/2014/main" id="{29DBEB49-6116-4F93-966F-85CB70B9ED0C}"/>
               </a:ext>
             </a:extLst>
           </p:cNvPr>
@@ -14427,10 +14431,10 @@
       </p:sp>
       <p:sp>
         <p:nvSpPr>
-          <p:cNvPr id="222" name="Oval 221">
+          <p:cNvPr id="341" name="Oval 340">
             <a:extLst>
               <a:ext uri="{FF2B5EF4-FFF2-40B4-BE49-F238E27FC236}">
-                <a16:creationId xmlns:a16="http://schemas.microsoft.com/office/drawing/2014/main" id="{FF3AC6D9-24FB-41BC-8D8E-E8B02946DD49}"/>
+                <a16:creationId xmlns:a16="http://schemas.microsoft.com/office/drawing/2014/main" id="{8E429FB2-D778-40E9-AC46-36B8E1E80505}"/>
               </a:ext>
             </a:extLst>
           </p:cNvPr>
@@ -14476,10 +14480,10 @@
       </p:sp>
       <p:sp>
         <p:nvSpPr>
-          <p:cNvPr id="223" name="Oval 222">
+          <p:cNvPr id="342" name="Oval 341">
             <a:extLst>
               <a:ext uri="{FF2B5EF4-FFF2-40B4-BE49-F238E27FC236}">
-                <a16:creationId xmlns:a16="http://schemas.microsoft.com/office/drawing/2014/main" id="{22628475-C043-444C-B3BE-2DC218187BD5}"/>
+                <a16:creationId xmlns:a16="http://schemas.microsoft.com/office/drawing/2014/main" id="{75D800B5-638E-4166-A142-439A96ADE4DE}"/>
               </a:ext>
             </a:extLst>
           </p:cNvPr>
@@ -14525,10 +14529,10 @@
       </p:sp>
       <p:sp>
         <p:nvSpPr>
-          <p:cNvPr id="224" name="Oval 223">
+          <p:cNvPr id="343" name="Oval 342">
             <a:extLst>
               <a:ext uri="{FF2B5EF4-FFF2-40B4-BE49-F238E27FC236}">
-                <a16:creationId xmlns:a16="http://schemas.microsoft.com/office/drawing/2014/main" id="{4D68062A-21CE-47B3-87EF-A57431496721}"/>
+                <a16:creationId xmlns:a16="http://schemas.microsoft.com/office/drawing/2014/main" id="{E2A7AFA8-B358-4063-83F6-6420FEC56289}"/>
               </a:ext>
             </a:extLst>
           </p:cNvPr>
@@ -14574,10 +14578,10 @@
       </p:sp>
       <p:sp>
         <p:nvSpPr>
-          <p:cNvPr id="225" name="Oval 224">
+          <p:cNvPr id="344" name="Oval 343">
             <a:extLst>
               <a:ext uri="{FF2B5EF4-FFF2-40B4-BE49-F238E27FC236}">
-                <a16:creationId xmlns:a16="http://schemas.microsoft.com/office/drawing/2014/main" id="{0B40E02B-B7F9-4B56-954C-C5BE7603AA6C}"/>
+                <a16:creationId xmlns:a16="http://schemas.microsoft.com/office/drawing/2014/main" id="{8540FB22-C730-40BF-B6BB-7C6FA78DECAC}"/>
               </a:ext>
             </a:extLst>
           </p:cNvPr>
@@ -14623,10 +14627,10 @@
       </p:sp>
       <p:sp>
         <p:nvSpPr>
-          <p:cNvPr id="226" name="Oval 225">
+          <p:cNvPr id="345" name="Oval 344">
             <a:extLst>
               <a:ext uri="{FF2B5EF4-FFF2-40B4-BE49-F238E27FC236}">
-                <a16:creationId xmlns:a16="http://schemas.microsoft.com/office/drawing/2014/main" id="{2E63933C-BE6D-45B5-A1D1-FB87D08FC87A}"/>
+                <a16:creationId xmlns:a16="http://schemas.microsoft.com/office/drawing/2014/main" id="{ED59565E-F073-4A1F-A42D-E04736E057B2}"/>
               </a:ext>
             </a:extLst>
           </p:cNvPr>
@@ -14672,10 +14676,10 @@
       </p:sp>
       <p:sp>
         <p:nvSpPr>
-          <p:cNvPr id="227" name="Oval 226">
+          <p:cNvPr id="346" name="Oval 345">
             <a:extLst>
               <a:ext uri="{FF2B5EF4-FFF2-40B4-BE49-F238E27FC236}">
-                <a16:creationId xmlns:a16="http://schemas.microsoft.com/office/drawing/2014/main" id="{028DF8C9-0E81-499A-8DC0-10B50BAB71C0}"/>
+                <a16:creationId xmlns:a16="http://schemas.microsoft.com/office/drawing/2014/main" id="{668FB510-CC75-4F5C-B9A8-BE2C45DCD6AE}"/>
               </a:ext>
             </a:extLst>
           </p:cNvPr>
@@ -14721,10 +14725,10 @@
       </p:sp>
       <p:sp>
         <p:nvSpPr>
-          <p:cNvPr id="228" name="Oval 227">
+          <p:cNvPr id="347" name="Oval 346">
             <a:extLst>
               <a:ext uri="{FF2B5EF4-FFF2-40B4-BE49-F238E27FC236}">
-                <a16:creationId xmlns:a16="http://schemas.microsoft.com/office/drawing/2014/main" id="{0367D41E-3281-420D-9951-0FAC279357C4}"/>
+                <a16:creationId xmlns:a16="http://schemas.microsoft.com/office/drawing/2014/main" id="{5A7BD69E-858E-4C00-98EE-A809655E9365}"/>
               </a:ext>
             </a:extLst>
           </p:cNvPr>
@@ -14770,10 +14774,10 @@
       </p:sp>
       <p:sp>
         <p:nvSpPr>
-          <p:cNvPr id="229" name="Oval 228">
+          <p:cNvPr id="348" name="Oval 347">
             <a:extLst>
               <a:ext uri="{FF2B5EF4-FFF2-40B4-BE49-F238E27FC236}">
-                <a16:creationId xmlns:a16="http://schemas.microsoft.com/office/drawing/2014/main" id="{1129D102-C70C-4809-BD93-F16EA8A28D3C}"/>
+                <a16:creationId xmlns:a16="http://schemas.microsoft.com/office/drawing/2014/main" id="{B2EE93B2-E57C-4237-8082-DA6CC8A447C6}"/>
               </a:ext>
             </a:extLst>
           </p:cNvPr>
@@ -14819,10 +14823,10 @@
       </p:sp>
       <p:sp>
         <p:nvSpPr>
-          <p:cNvPr id="230" name="Oval 229">
+          <p:cNvPr id="349" name="Oval 348">
             <a:extLst>
               <a:ext uri="{FF2B5EF4-FFF2-40B4-BE49-F238E27FC236}">
-                <a16:creationId xmlns:a16="http://schemas.microsoft.com/office/drawing/2014/main" id="{46D7DC44-D80C-482C-818E-03E3C23E89CC}"/>
+                <a16:creationId xmlns:a16="http://schemas.microsoft.com/office/drawing/2014/main" id="{9D934C32-9AC8-430F-A0AE-31DB31AF7FC4}"/>
               </a:ext>
             </a:extLst>
           </p:cNvPr>
@@ -14868,10 +14872,10 @@
       </p:sp>
       <p:sp>
         <p:nvSpPr>
-          <p:cNvPr id="231" name="Oval 230">
+          <p:cNvPr id="350" name="Oval 349">
             <a:extLst>
               <a:ext uri="{FF2B5EF4-FFF2-40B4-BE49-F238E27FC236}">
-                <a16:creationId xmlns:a16="http://schemas.microsoft.com/office/drawing/2014/main" id="{B47D4D8F-32D6-413C-BD34-DD2CD92E8A7E}"/>
+                <a16:creationId xmlns:a16="http://schemas.microsoft.com/office/drawing/2014/main" id="{E9199F56-5DEF-4E65-8A29-0A0B9EC1FC37}"/>
               </a:ext>
             </a:extLst>
           </p:cNvPr>
@@ -14917,10 +14921,10 @@
       </p:sp>
       <p:sp>
         <p:nvSpPr>
-          <p:cNvPr id="232" name="Oval 231">
+          <p:cNvPr id="351" name="Oval 350">
             <a:extLst>
               <a:ext uri="{FF2B5EF4-FFF2-40B4-BE49-F238E27FC236}">
-                <a16:creationId xmlns:a16="http://schemas.microsoft.com/office/drawing/2014/main" id="{7CDAC25E-0610-45A1-B20D-B612ABDA1F62}"/>
+                <a16:creationId xmlns:a16="http://schemas.microsoft.com/office/drawing/2014/main" id="{7B1E731D-33C3-4D1F-A2F1-DE19EC55591C}"/>
               </a:ext>
             </a:extLst>
           </p:cNvPr>
@@ -14966,10 +14970,10 @@
       </p:sp>
       <p:sp>
         <p:nvSpPr>
-          <p:cNvPr id="233" name="Oval 232">
+          <p:cNvPr id="352" name="Oval 351">
             <a:extLst>
               <a:ext uri="{FF2B5EF4-FFF2-40B4-BE49-F238E27FC236}">
-                <a16:creationId xmlns:a16="http://schemas.microsoft.com/office/drawing/2014/main" id="{0C727B49-C2D7-4D47-8BBD-19F4E601BB95}"/>
+                <a16:creationId xmlns:a16="http://schemas.microsoft.com/office/drawing/2014/main" id="{F4C76A62-F109-4FE0-A89E-773AE3E67FD9}"/>
               </a:ext>
             </a:extLst>
           </p:cNvPr>
@@ -15015,10 +15019,10 @@
       </p:sp>
       <p:sp>
         <p:nvSpPr>
-          <p:cNvPr id="234" name="Oval 233">
+          <p:cNvPr id="353" name="Oval 352">
             <a:extLst>
               <a:ext uri="{FF2B5EF4-FFF2-40B4-BE49-F238E27FC236}">
-                <a16:creationId xmlns:a16="http://schemas.microsoft.com/office/drawing/2014/main" id="{C1AB8CEA-CA57-4744-828F-DF000B145A93}"/>
+                <a16:creationId xmlns:a16="http://schemas.microsoft.com/office/drawing/2014/main" id="{C08ED484-5290-4AFD-B14E-441813D24502}"/>
               </a:ext>
             </a:extLst>
           </p:cNvPr>
@@ -15064,10 +15068,10 @@
       </p:sp>
       <p:sp>
         <p:nvSpPr>
-          <p:cNvPr id="235" name="Oval 234">
+          <p:cNvPr id="354" name="Oval 353">
             <a:extLst>
               <a:ext uri="{FF2B5EF4-FFF2-40B4-BE49-F238E27FC236}">
-                <a16:creationId xmlns:a16="http://schemas.microsoft.com/office/drawing/2014/main" id="{5B5947F9-67F8-492F-929C-1A5A0AE7BCF1}"/>
+                <a16:creationId xmlns:a16="http://schemas.microsoft.com/office/drawing/2014/main" id="{B6FFB371-0E39-4090-8075-3A772BBDA6D4}"/>
               </a:ext>
             </a:extLst>
           </p:cNvPr>
@@ -15113,10 +15117,10 @@
       </p:sp>
       <p:sp>
         <p:nvSpPr>
-          <p:cNvPr id="236" name="Oval 235">
+          <p:cNvPr id="355" name="Oval 354">
             <a:extLst>
               <a:ext uri="{FF2B5EF4-FFF2-40B4-BE49-F238E27FC236}">
-                <a16:creationId xmlns:a16="http://schemas.microsoft.com/office/drawing/2014/main" id="{FAF146AB-5411-4688-98A5-5763B772AF94}"/>
+                <a16:creationId xmlns:a16="http://schemas.microsoft.com/office/drawing/2014/main" id="{D7EE64A1-EEFA-48C8-B70F-1C37A594A6F5}"/>
               </a:ext>
             </a:extLst>
           </p:cNvPr>
@@ -15162,10 +15166,10 @@
       </p:sp>
       <p:sp>
         <p:nvSpPr>
-          <p:cNvPr id="237" name="Oval 236">
+          <p:cNvPr id="356" name="Oval 355">
             <a:extLst>
               <a:ext uri="{FF2B5EF4-FFF2-40B4-BE49-F238E27FC236}">
-                <a16:creationId xmlns:a16="http://schemas.microsoft.com/office/drawing/2014/main" id="{882F7208-5A81-4513-A771-C64F4AFB7660}"/>
+                <a16:creationId xmlns:a16="http://schemas.microsoft.com/office/drawing/2014/main" id="{5B215A46-B869-437B-B859-6C62389B493F}"/>
               </a:ext>
             </a:extLst>
           </p:cNvPr>
@@ -15211,10 +15215,10 @@
       </p:sp>
       <p:sp>
         <p:nvSpPr>
-          <p:cNvPr id="238" name="Oval 237">
+          <p:cNvPr id="357" name="Oval 356">
             <a:extLst>
               <a:ext uri="{FF2B5EF4-FFF2-40B4-BE49-F238E27FC236}">
-                <a16:creationId xmlns:a16="http://schemas.microsoft.com/office/drawing/2014/main" id="{6D9CEFDE-976A-4807-87EB-3A0F9EB220BE}"/>
+                <a16:creationId xmlns:a16="http://schemas.microsoft.com/office/drawing/2014/main" id="{1FFC13BB-FC74-439D-957E-87FB53C19483}"/>
               </a:ext>
             </a:extLst>
           </p:cNvPr>
@@ -15260,10 +15264,10 @@
       </p:sp>
       <p:sp>
         <p:nvSpPr>
-          <p:cNvPr id="239" name="Oval 238">
+          <p:cNvPr id="358" name="Oval 357">
             <a:extLst>
               <a:ext uri="{FF2B5EF4-FFF2-40B4-BE49-F238E27FC236}">
-                <a16:creationId xmlns:a16="http://schemas.microsoft.com/office/drawing/2014/main" id="{33C65D21-AE17-46A4-BD21-F7EE10A52609}"/>
+                <a16:creationId xmlns:a16="http://schemas.microsoft.com/office/drawing/2014/main" id="{6E2D3A3E-7176-42F4-93D7-15F316AD80D4}"/>
               </a:ext>
             </a:extLst>
           </p:cNvPr>
@@ -15309,10 +15313,10 @@
       </p:sp>
       <p:sp>
         <p:nvSpPr>
-          <p:cNvPr id="240" name="Oval 239">
+          <p:cNvPr id="359" name="Oval 358">
             <a:extLst>
               <a:ext uri="{FF2B5EF4-FFF2-40B4-BE49-F238E27FC236}">
-                <a16:creationId xmlns:a16="http://schemas.microsoft.com/office/drawing/2014/main" id="{B310014E-D253-435C-9FC8-4F059492BB66}"/>
+                <a16:creationId xmlns:a16="http://schemas.microsoft.com/office/drawing/2014/main" id="{31998D02-E3DE-4E2E-8D90-3D2205BF8C5D}"/>
               </a:ext>
             </a:extLst>
           </p:cNvPr>
@@ -15358,10 +15362,10 @@
       </p:sp>
       <p:sp>
         <p:nvSpPr>
-          <p:cNvPr id="241" name="Oval 240">
+          <p:cNvPr id="360" name="Oval 359">
             <a:extLst>
               <a:ext uri="{FF2B5EF4-FFF2-40B4-BE49-F238E27FC236}">
-                <a16:creationId xmlns:a16="http://schemas.microsoft.com/office/drawing/2014/main" id="{A80F76D3-18AE-45B2-BBBE-DFF8B003D595}"/>
+                <a16:creationId xmlns:a16="http://schemas.microsoft.com/office/drawing/2014/main" id="{70851A70-1018-460C-B430-B31A7B9E369A}"/>
               </a:ext>
             </a:extLst>
           </p:cNvPr>
@@ -15407,10 +15411,10 @@
       </p:sp>
       <p:sp>
         <p:nvSpPr>
-          <p:cNvPr id="242" name="Oval 241">
+          <p:cNvPr id="361" name="Oval 360">
             <a:extLst>
               <a:ext uri="{FF2B5EF4-FFF2-40B4-BE49-F238E27FC236}">
-                <a16:creationId xmlns:a16="http://schemas.microsoft.com/office/drawing/2014/main" id="{FC989CE2-5955-4BAE-8D32-7F8EC386DADA}"/>
+                <a16:creationId xmlns:a16="http://schemas.microsoft.com/office/drawing/2014/main" id="{AA0FD5CF-B5ED-411C-A13E-079055F8C17C}"/>
               </a:ext>
             </a:extLst>
           </p:cNvPr>
@@ -15456,10 +15460,10 @@
       </p:sp>
       <p:sp>
         <p:nvSpPr>
-          <p:cNvPr id="243" name="Oval 242">
+          <p:cNvPr id="362" name="Oval 361">
             <a:extLst>
               <a:ext uri="{FF2B5EF4-FFF2-40B4-BE49-F238E27FC236}">
-                <a16:creationId xmlns:a16="http://schemas.microsoft.com/office/drawing/2014/main" id="{D308C629-8F39-4132-9CC6-FB0C220B4A79}"/>
+                <a16:creationId xmlns:a16="http://schemas.microsoft.com/office/drawing/2014/main" id="{15370765-20A1-4E6E-97FF-7524CB7997EB}"/>
               </a:ext>
             </a:extLst>
           </p:cNvPr>
@@ -15505,10 +15509,10 @@
       </p:sp>
       <p:sp>
         <p:nvSpPr>
-          <p:cNvPr id="244" name="Oval 243">
+          <p:cNvPr id="363" name="Oval 362">
             <a:extLst>
               <a:ext uri="{FF2B5EF4-FFF2-40B4-BE49-F238E27FC236}">
-                <a16:creationId xmlns:a16="http://schemas.microsoft.com/office/drawing/2014/main" id="{FB197E03-B193-40AF-9234-E509DFE63C68}"/>
+                <a16:creationId xmlns:a16="http://schemas.microsoft.com/office/drawing/2014/main" id="{BCE32E08-ABE2-48FA-99D4-E86D7BC1A9D0}"/>
               </a:ext>
             </a:extLst>
           </p:cNvPr>
@@ -15554,10 +15558,10 @@
       </p:sp>
       <p:sp>
         <p:nvSpPr>
-          <p:cNvPr id="245" name="Oval 244">
+          <p:cNvPr id="364" name="Oval 363">
             <a:extLst>
               <a:ext uri="{FF2B5EF4-FFF2-40B4-BE49-F238E27FC236}">
-                <a16:creationId xmlns:a16="http://schemas.microsoft.com/office/drawing/2014/main" id="{B1F96C2E-5CA6-45C9-BC56-78DB6A6726BE}"/>
+                <a16:creationId xmlns:a16="http://schemas.microsoft.com/office/drawing/2014/main" id="{D3716703-CB5A-4EF2-ACE6-73D5C9B2AA92}"/>
               </a:ext>
             </a:extLst>
           </p:cNvPr>
@@ -15603,10 +15607,10 @@
       </p:sp>
       <p:sp>
         <p:nvSpPr>
-          <p:cNvPr id="246" name="Oval 245">
+          <p:cNvPr id="365" name="Oval 364">
             <a:extLst>
               <a:ext uri="{FF2B5EF4-FFF2-40B4-BE49-F238E27FC236}">
-                <a16:creationId xmlns:a16="http://schemas.microsoft.com/office/drawing/2014/main" id="{1A72DA5B-03DC-492B-A456-ADAEC0EDC68C}"/>
+                <a16:creationId xmlns:a16="http://schemas.microsoft.com/office/drawing/2014/main" id="{B44B759A-B1AB-4AE5-8492-1A7471C8E459}"/>
               </a:ext>
             </a:extLst>
           </p:cNvPr>
@@ -15652,10 +15656,10 @@
       </p:sp>
       <p:sp>
         <p:nvSpPr>
-          <p:cNvPr id="247" name="Oval 246">
+          <p:cNvPr id="366" name="Oval 365">
             <a:extLst>
               <a:ext uri="{FF2B5EF4-FFF2-40B4-BE49-F238E27FC236}">
-                <a16:creationId xmlns:a16="http://schemas.microsoft.com/office/drawing/2014/main" id="{E8AFFD0E-0464-48C4-AE2E-9FBB2E5187ED}"/>
+                <a16:creationId xmlns:a16="http://schemas.microsoft.com/office/drawing/2014/main" id="{A9177EA0-A78A-4BD2-90E5-D50D6601BC8D}"/>
               </a:ext>
             </a:extLst>
           </p:cNvPr>
@@ -15701,10 +15705,10 @@
       </p:sp>
       <p:sp>
         <p:nvSpPr>
-          <p:cNvPr id="248" name="Oval 247">
+          <p:cNvPr id="367" name="Oval 366">
             <a:extLst>
               <a:ext uri="{FF2B5EF4-FFF2-40B4-BE49-F238E27FC236}">
-                <a16:creationId xmlns:a16="http://schemas.microsoft.com/office/drawing/2014/main" id="{633E28F9-1913-4788-AD8C-302743FEA654}"/>
+                <a16:creationId xmlns:a16="http://schemas.microsoft.com/office/drawing/2014/main" id="{6428C2B0-46E1-4239-B341-BAF11590FE17}"/>
               </a:ext>
             </a:extLst>
           </p:cNvPr>
@@ -15750,10 +15754,10 @@
       </p:sp>
       <p:sp>
         <p:nvSpPr>
-          <p:cNvPr id="249" name="Oval 248">
+          <p:cNvPr id="368" name="Oval 367">
             <a:extLst>
               <a:ext uri="{FF2B5EF4-FFF2-40B4-BE49-F238E27FC236}">
-                <a16:creationId xmlns:a16="http://schemas.microsoft.com/office/drawing/2014/main" id="{2DA1B552-B8FD-4290-896F-7330871B55AF}"/>
+                <a16:creationId xmlns:a16="http://schemas.microsoft.com/office/drawing/2014/main" id="{9F817531-66BF-4EFE-9D51-00FDDDC8C3DC}"/>
               </a:ext>
             </a:extLst>
           </p:cNvPr>
@@ -15799,10 +15803,10 @@
       </p:sp>
       <p:sp>
         <p:nvSpPr>
-          <p:cNvPr id="250" name="Oval 249">
+          <p:cNvPr id="369" name="Oval 368">
             <a:extLst>
               <a:ext uri="{FF2B5EF4-FFF2-40B4-BE49-F238E27FC236}">
-                <a16:creationId xmlns:a16="http://schemas.microsoft.com/office/drawing/2014/main" id="{13CE6F40-52B4-49EB-913B-4B355F885712}"/>
+                <a16:creationId xmlns:a16="http://schemas.microsoft.com/office/drawing/2014/main" id="{9DC8070C-FF81-4B32-B331-286CFB58B5F4}"/>
               </a:ext>
             </a:extLst>
           </p:cNvPr>
@@ -15848,10 +15852,10 @@
       </p:sp>
       <p:sp>
         <p:nvSpPr>
-          <p:cNvPr id="251" name="Oval 250">
+          <p:cNvPr id="370" name="Oval 369">
             <a:extLst>
               <a:ext uri="{FF2B5EF4-FFF2-40B4-BE49-F238E27FC236}">
-                <a16:creationId xmlns:a16="http://schemas.microsoft.com/office/drawing/2014/main" id="{4ACE3985-4610-4398-B24F-0EFA18A285C3}"/>
+                <a16:creationId xmlns:a16="http://schemas.microsoft.com/office/drawing/2014/main" id="{5192550D-BBF0-4E75-B604-E6D267602605}"/>
               </a:ext>
             </a:extLst>
           </p:cNvPr>
@@ -15897,10 +15901,10 @@
       </p:sp>
       <p:sp>
         <p:nvSpPr>
-          <p:cNvPr id="252" name="Oval 251">
+          <p:cNvPr id="371" name="Oval 370">
             <a:extLst>
               <a:ext uri="{FF2B5EF4-FFF2-40B4-BE49-F238E27FC236}">
-                <a16:creationId xmlns:a16="http://schemas.microsoft.com/office/drawing/2014/main" id="{C662F6C8-9397-41D4-AF34-9E876E56A92E}"/>
+                <a16:creationId xmlns:a16="http://schemas.microsoft.com/office/drawing/2014/main" id="{5B993327-5B61-4190-9241-C7B553B7081C}"/>
               </a:ext>
             </a:extLst>
           </p:cNvPr>
@@ -15946,10 +15950,10 @@
       </p:sp>
       <p:sp>
         <p:nvSpPr>
-          <p:cNvPr id="253" name="Oval 252">
+          <p:cNvPr id="372" name="Oval 371">
             <a:extLst>
               <a:ext uri="{FF2B5EF4-FFF2-40B4-BE49-F238E27FC236}">
-                <a16:creationId xmlns:a16="http://schemas.microsoft.com/office/drawing/2014/main" id="{4F8E2888-475F-4C59-86F8-7540678EB305}"/>
+                <a16:creationId xmlns:a16="http://schemas.microsoft.com/office/drawing/2014/main" id="{CD683B32-EF44-4333-8747-B76CD3626CC6}"/>
               </a:ext>
             </a:extLst>
           </p:cNvPr>
@@ -15995,10 +15999,10 @@
       </p:sp>
       <p:sp>
         <p:nvSpPr>
-          <p:cNvPr id="254" name="Oval 253">
+          <p:cNvPr id="373" name="Oval 372">
             <a:extLst>
               <a:ext uri="{FF2B5EF4-FFF2-40B4-BE49-F238E27FC236}">
-                <a16:creationId xmlns:a16="http://schemas.microsoft.com/office/drawing/2014/main" id="{ACE89CF0-78B6-4075-B66F-E43575A7B69B}"/>
+                <a16:creationId xmlns:a16="http://schemas.microsoft.com/office/drawing/2014/main" id="{EE0B8A02-0006-48E8-917F-23201FA1950A}"/>
               </a:ext>
             </a:extLst>
           </p:cNvPr>
@@ -16044,10 +16048,10 @@
       </p:sp>
       <p:sp>
         <p:nvSpPr>
-          <p:cNvPr id="255" name="Oval 254">
+          <p:cNvPr id="374" name="Oval 373">
             <a:extLst>
               <a:ext uri="{FF2B5EF4-FFF2-40B4-BE49-F238E27FC236}">
-                <a16:creationId xmlns:a16="http://schemas.microsoft.com/office/drawing/2014/main" id="{65C08C83-907B-42D2-B6A4-C9E95C903EDA}"/>
+                <a16:creationId xmlns:a16="http://schemas.microsoft.com/office/drawing/2014/main" id="{35E988BA-FCE5-4E19-996C-6829FE66537E}"/>
               </a:ext>
             </a:extLst>
           </p:cNvPr>
@@ -16093,10 +16097,10 @@
       </p:sp>
       <p:sp>
         <p:nvSpPr>
-          <p:cNvPr id="256" name="Oval 255">
+          <p:cNvPr id="375" name="Oval 374">
             <a:extLst>
               <a:ext uri="{FF2B5EF4-FFF2-40B4-BE49-F238E27FC236}">
-                <a16:creationId xmlns:a16="http://schemas.microsoft.com/office/drawing/2014/main" id="{5EDF3C3F-7470-4D57-A92B-6BEBD04E6570}"/>
+                <a16:creationId xmlns:a16="http://schemas.microsoft.com/office/drawing/2014/main" id="{C9C8D9F4-1854-49DC-BFB2-7C76F978FFC7}"/>
               </a:ext>
             </a:extLst>
           </p:cNvPr>
@@ -16142,10 +16146,10 @@
       </p:sp>
       <p:sp>
         <p:nvSpPr>
-          <p:cNvPr id="257" name="Oval 256">
+          <p:cNvPr id="376" name="Oval 375">
             <a:extLst>
               <a:ext uri="{FF2B5EF4-FFF2-40B4-BE49-F238E27FC236}">
-                <a16:creationId xmlns:a16="http://schemas.microsoft.com/office/drawing/2014/main" id="{F4159D35-1FD0-4DFE-A949-A82B18F83441}"/>
+                <a16:creationId xmlns:a16="http://schemas.microsoft.com/office/drawing/2014/main" id="{89977E52-E726-4A74-8414-BE40A0399042}"/>
               </a:ext>
             </a:extLst>
           </p:cNvPr>
@@ -16191,10 +16195,10 @@
       </p:sp>
       <p:sp>
         <p:nvSpPr>
-          <p:cNvPr id="258" name="Oval 257">
+          <p:cNvPr id="377" name="Oval 376">
             <a:extLst>
               <a:ext uri="{FF2B5EF4-FFF2-40B4-BE49-F238E27FC236}">
-                <a16:creationId xmlns:a16="http://schemas.microsoft.com/office/drawing/2014/main" id="{3DEECD3E-C62E-4E09-9817-02B573356485}"/>
+                <a16:creationId xmlns:a16="http://schemas.microsoft.com/office/drawing/2014/main" id="{820187D0-0B01-42A2-A9BA-C403E037BC51}"/>
               </a:ext>
             </a:extLst>
           </p:cNvPr>
@@ -16240,10 +16244,10 @@
       </p:sp>
       <p:sp>
         <p:nvSpPr>
-          <p:cNvPr id="259" name="Oval 258">
+          <p:cNvPr id="378" name="Oval 377">
             <a:extLst>
               <a:ext uri="{FF2B5EF4-FFF2-40B4-BE49-F238E27FC236}">
-                <a16:creationId xmlns:a16="http://schemas.microsoft.com/office/drawing/2014/main" id="{1C8145B2-EBEB-495D-857D-8A9A105B907A}"/>
+                <a16:creationId xmlns:a16="http://schemas.microsoft.com/office/drawing/2014/main" id="{DC4319B6-E60B-4A5D-9291-624CAF07A885}"/>
               </a:ext>
             </a:extLst>
           </p:cNvPr>
@@ -16289,10 +16293,10 @@
       </p:sp>
       <p:sp>
         <p:nvSpPr>
-          <p:cNvPr id="260" name="Oval 259">
+          <p:cNvPr id="379" name="Oval 378">
             <a:extLst>
               <a:ext uri="{FF2B5EF4-FFF2-40B4-BE49-F238E27FC236}">
-                <a16:creationId xmlns:a16="http://schemas.microsoft.com/office/drawing/2014/main" id="{DBEE1C91-1993-4EDB-8FD9-338BA05D8CDD}"/>
+                <a16:creationId xmlns:a16="http://schemas.microsoft.com/office/drawing/2014/main" id="{555B7F08-8C3C-48E6-96B2-BD01D63E91A4}"/>
               </a:ext>
             </a:extLst>
           </p:cNvPr>
@@ -16338,10 +16342,10 @@
       </p:sp>
       <p:sp>
         <p:nvSpPr>
-          <p:cNvPr id="261" name="Oval 260">
+          <p:cNvPr id="380" name="Oval 379">
             <a:extLst>
               <a:ext uri="{FF2B5EF4-FFF2-40B4-BE49-F238E27FC236}">
-                <a16:creationId xmlns:a16="http://schemas.microsoft.com/office/drawing/2014/main" id="{F9B0FF87-66BB-4D7C-9CC0-EDB80337C8EA}"/>
+                <a16:creationId xmlns:a16="http://schemas.microsoft.com/office/drawing/2014/main" id="{08AE3D1C-58F5-4350-85ED-DA069E5CBBF3}"/>
               </a:ext>
             </a:extLst>
           </p:cNvPr>
@@ -16387,10 +16391,10 @@
       </p:sp>
       <p:sp>
         <p:nvSpPr>
-          <p:cNvPr id="262" name="Oval 261">
+          <p:cNvPr id="381" name="Oval 380">
             <a:extLst>
               <a:ext uri="{FF2B5EF4-FFF2-40B4-BE49-F238E27FC236}">
-                <a16:creationId xmlns:a16="http://schemas.microsoft.com/office/drawing/2014/main" id="{0F9E721B-FCC8-49C0-AFA4-66AF6C157EFF}"/>
+                <a16:creationId xmlns:a16="http://schemas.microsoft.com/office/drawing/2014/main" id="{E61C2AF9-7C2C-45B5-A52A-A85DF6616E06}"/>
               </a:ext>
             </a:extLst>
           </p:cNvPr>
@@ -16436,10 +16440,10 @@
       </p:sp>
       <p:sp>
         <p:nvSpPr>
-          <p:cNvPr id="263" name="Oval 262">
+          <p:cNvPr id="382" name="Oval 381">
             <a:extLst>
               <a:ext uri="{FF2B5EF4-FFF2-40B4-BE49-F238E27FC236}">
-                <a16:creationId xmlns:a16="http://schemas.microsoft.com/office/drawing/2014/main" id="{6DC2D4DF-F8B2-420A-A8DA-2EDF3021C0D6}"/>
+                <a16:creationId xmlns:a16="http://schemas.microsoft.com/office/drawing/2014/main" id="{5007C791-CAC8-475F-B077-91146EA21861}"/>
               </a:ext>
             </a:extLst>
           </p:cNvPr>
@@ -16485,10 +16489,10 @@
       </p:sp>
       <p:sp>
         <p:nvSpPr>
-          <p:cNvPr id="264" name="Oval 263">
+          <p:cNvPr id="383" name="Oval 382">
             <a:extLst>
               <a:ext uri="{FF2B5EF4-FFF2-40B4-BE49-F238E27FC236}">
-                <a16:creationId xmlns:a16="http://schemas.microsoft.com/office/drawing/2014/main" id="{72CD8D0D-3F16-499F-A135-8E687DD0C9DA}"/>
+                <a16:creationId xmlns:a16="http://schemas.microsoft.com/office/drawing/2014/main" id="{ABAC5212-7930-45B3-85B3-65C652CEE0E7}"/>
               </a:ext>
             </a:extLst>
           </p:cNvPr>
@@ -16534,10 +16538,10 @@
       </p:sp>
       <p:sp>
         <p:nvSpPr>
-          <p:cNvPr id="265" name="Oval 264">
+          <p:cNvPr id="384" name="Oval 383">
             <a:extLst>
               <a:ext uri="{FF2B5EF4-FFF2-40B4-BE49-F238E27FC236}">
-                <a16:creationId xmlns:a16="http://schemas.microsoft.com/office/drawing/2014/main" id="{3AB41BC7-1C61-49EB-831D-D8DCAD424D10}"/>
+                <a16:creationId xmlns:a16="http://schemas.microsoft.com/office/drawing/2014/main" id="{E80742B1-C5F3-4686-8B6E-5A49846B6DEF}"/>
               </a:ext>
             </a:extLst>
           </p:cNvPr>
@@ -16583,10 +16587,10 @@
       </p:sp>
       <p:sp>
         <p:nvSpPr>
-          <p:cNvPr id="266" name="Oval 265">
+          <p:cNvPr id="385" name="Oval 384">
             <a:extLst>
               <a:ext uri="{FF2B5EF4-FFF2-40B4-BE49-F238E27FC236}">
-                <a16:creationId xmlns:a16="http://schemas.microsoft.com/office/drawing/2014/main" id="{4432F3B4-B610-4614-ADEA-DEB645CA04C2}"/>
+                <a16:creationId xmlns:a16="http://schemas.microsoft.com/office/drawing/2014/main" id="{C70C3AA6-8955-4710-917F-8B226652C77A}"/>
               </a:ext>
             </a:extLst>
           </p:cNvPr>
@@ -16632,10 +16636,10 @@
       </p:sp>
       <p:sp>
         <p:nvSpPr>
-          <p:cNvPr id="267" name="Oval 266">
+          <p:cNvPr id="386" name="Oval 385">
             <a:extLst>
               <a:ext uri="{FF2B5EF4-FFF2-40B4-BE49-F238E27FC236}">
-                <a16:creationId xmlns:a16="http://schemas.microsoft.com/office/drawing/2014/main" id="{9193391F-61C9-4190-981D-18834A9181E3}"/>
+                <a16:creationId xmlns:a16="http://schemas.microsoft.com/office/drawing/2014/main" id="{89C73E93-DF9E-46B2-B260-22BA20E0D70F}"/>
               </a:ext>
             </a:extLst>
           </p:cNvPr>
@@ -16681,10 +16685,10 @@
       </p:sp>
       <p:sp>
         <p:nvSpPr>
-          <p:cNvPr id="268" name="Oval 267">
+          <p:cNvPr id="387" name="Oval 386">
             <a:extLst>
               <a:ext uri="{FF2B5EF4-FFF2-40B4-BE49-F238E27FC236}">
-                <a16:creationId xmlns:a16="http://schemas.microsoft.com/office/drawing/2014/main" id="{42FDD61D-B8E2-476E-B887-A6B248B2EFF0}"/>
+                <a16:creationId xmlns:a16="http://schemas.microsoft.com/office/drawing/2014/main" id="{A09B1AB8-205E-453C-9482-89ED5289655E}"/>
               </a:ext>
             </a:extLst>
           </p:cNvPr>
@@ -16730,10 +16734,10 @@
       </p:sp>
       <p:sp>
         <p:nvSpPr>
-          <p:cNvPr id="269" name="Oval 268">
+          <p:cNvPr id="388" name="Oval 387">
             <a:extLst>
               <a:ext uri="{FF2B5EF4-FFF2-40B4-BE49-F238E27FC236}">
-                <a16:creationId xmlns:a16="http://schemas.microsoft.com/office/drawing/2014/main" id="{A86B0B83-0A6D-401C-BEE5-A4A480BE275C}"/>
+                <a16:creationId xmlns:a16="http://schemas.microsoft.com/office/drawing/2014/main" id="{0F8D8367-8670-48D0-A1D4-D4655E6C2E4E}"/>
               </a:ext>
             </a:extLst>
           </p:cNvPr>
@@ -16779,10 +16783,10 @@
       </p:sp>
       <p:sp>
         <p:nvSpPr>
-          <p:cNvPr id="270" name="Oval 269">
+          <p:cNvPr id="389" name="Oval 388">
             <a:extLst>
               <a:ext uri="{FF2B5EF4-FFF2-40B4-BE49-F238E27FC236}">
-                <a16:creationId xmlns:a16="http://schemas.microsoft.com/office/drawing/2014/main" id="{97023AEA-2290-4E39-B487-B857564DB143}"/>
+                <a16:creationId xmlns:a16="http://schemas.microsoft.com/office/drawing/2014/main" id="{A43F35A5-25F8-4219-A44A-85F668C66D39}"/>
               </a:ext>
             </a:extLst>
           </p:cNvPr>
@@ -16828,10 +16832,10 @@
       </p:sp>
       <p:sp>
         <p:nvSpPr>
-          <p:cNvPr id="271" name="Oval 270">
+          <p:cNvPr id="390" name="Oval 389">
             <a:extLst>
               <a:ext uri="{FF2B5EF4-FFF2-40B4-BE49-F238E27FC236}">
-                <a16:creationId xmlns:a16="http://schemas.microsoft.com/office/drawing/2014/main" id="{5A77C407-F819-4C70-9EDD-C5F952175E9A}"/>
+                <a16:creationId xmlns:a16="http://schemas.microsoft.com/office/drawing/2014/main" id="{16246EC0-C5D0-42B0-853C-C775E79F2463}"/>
               </a:ext>
             </a:extLst>
           </p:cNvPr>
@@ -16877,10 +16881,10 @@
       </p:sp>
       <p:sp>
         <p:nvSpPr>
-          <p:cNvPr id="272" name="Oval 271">
+          <p:cNvPr id="391" name="Oval 390">
             <a:extLst>
               <a:ext uri="{FF2B5EF4-FFF2-40B4-BE49-F238E27FC236}">
-                <a16:creationId xmlns:a16="http://schemas.microsoft.com/office/drawing/2014/main" id="{42879C27-2BD7-4179-AFCE-8DFE49F94A83}"/>
+                <a16:creationId xmlns:a16="http://schemas.microsoft.com/office/drawing/2014/main" id="{3105CB5D-942A-456C-A06D-73542C855FA4}"/>
               </a:ext>
             </a:extLst>
           </p:cNvPr>
@@ -16926,10 +16930,10 @@
       </p:sp>
       <p:sp>
         <p:nvSpPr>
-          <p:cNvPr id="273" name="Oval 272">
+          <p:cNvPr id="392" name="Oval 391">
             <a:extLst>
               <a:ext uri="{FF2B5EF4-FFF2-40B4-BE49-F238E27FC236}">
-                <a16:creationId xmlns:a16="http://schemas.microsoft.com/office/drawing/2014/main" id="{0EDA4464-1A9B-443D-9E6E-09209183752F}"/>
+                <a16:creationId xmlns:a16="http://schemas.microsoft.com/office/drawing/2014/main" id="{1630E38D-2D6E-41EF-9571-11DFBECAFB59}"/>
               </a:ext>
             </a:extLst>
           </p:cNvPr>
@@ -16975,10 +16979,10 @@
       </p:sp>
       <p:sp>
         <p:nvSpPr>
-          <p:cNvPr id="274" name="Oval 273">
+          <p:cNvPr id="393" name="Oval 392">
             <a:extLst>
               <a:ext uri="{FF2B5EF4-FFF2-40B4-BE49-F238E27FC236}">
-                <a16:creationId xmlns:a16="http://schemas.microsoft.com/office/drawing/2014/main" id="{94F0DD93-50A0-489F-978F-7EF7F3800491}"/>
+                <a16:creationId xmlns:a16="http://schemas.microsoft.com/office/drawing/2014/main" id="{14393AD6-7CC1-4856-80B7-3D3ACCCDAA55}"/>
               </a:ext>
             </a:extLst>
           </p:cNvPr>
@@ -17024,10 +17028,10 @@
       </p:sp>
       <p:sp>
         <p:nvSpPr>
-          <p:cNvPr id="275" name="Oval 274">
+          <p:cNvPr id="394" name="Oval 393">
             <a:extLst>
               <a:ext uri="{FF2B5EF4-FFF2-40B4-BE49-F238E27FC236}">
-                <a16:creationId xmlns:a16="http://schemas.microsoft.com/office/drawing/2014/main" id="{FF3DF306-3555-4519-AE01-11A7B7AE6821}"/>
+                <a16:creationId xmlns:a16="http://schemas.microsoft.com/office/drawing/2014/main" id="{167BC435-AF5C-4F73-AF2B-AFA28988D179}"/>
               </a:ext>
             </a:extLst>
           </p:cNvPr>
@@ -17073,10 +17077,10 @@
       </p:sp>
       <p:sp>
         <p:nvSpPr>
-          <p:cNvPr id="276" name="Oval 275">
+          <p:cNvPr id="395" name="Oval 394">
             <a:extLst>
               <a:ext uri="{FF2B5EF4-FFF2-40B4-BE49-F238E27FC236}">
-                <a16:creationId xmlns:a16="http://schemas.microsoft.com/office/drawing/2014/main" id="{26441FFC-9775-4066-B15B-A1C3EF256EBE}"/>
+                <a16:creationId xmlns:a16="http://schemas.microsoft.com/office/drawing/2014/main" id="{98509DA0-2A43-4B23-A74B-139D686639CC}"/>
               </a:ext>
             </a:extLst>
           </p:cNvPr>
@@ -17122,10 +17126,10 @@
       </p:sp>
       <p:sp>
         <p:nvSpPr>
-          <p:cNvPr id="277" name="Oval 276">
+          <p:cNvPr id="396" name="Oval 395">
             <a:extLst>
               <a:ext uri="{FF2B5EF4-FFF2-40B4-BE49-F238E27FC236}">
-                <a16:creationId xmlns:a16="http://schemas.microsoft.com/office/drawing/2014/main" id="{2B0ECDE6-C947-43C1-B2B0-5F17ECE8C9A1}"/>
+                <a16:creationId xmlns:a16="http://schemas.microsoft.com/office/drawing/2014/main" id="{E73CD704-2E30-4936-B49F-2C555B9B6750}"/>
               </a:ext>
             </a:extLst>
           </p:cNvPr>
@@ -17171,10 +17175,10 @@
       </p:sp>
       <p:sp>
         <p:nvSpPr>
-          <p:cNvPr id="278" name="Oval 277">
+          <p:cNvPr id="397" name="Oval 396">
             <a:extLst>
               <a:ext uri="{FF2B5EF4-FFF2-40B4-BE49-F238E27FC236}">
-                <a16:creationId xmlns:a16="http://schemas.microsoft.com/office/drawing/2014/main" id="{9B21CE46-0CF2-4751-A887-1A70932EDD35}"/>
+                <a16:creationId xmlns:a16="http://schemas.microsoft.com/office/drawing/2014/main" id="{75995162-1F7E-46D4-8649-F15BC51CA554}"/>
               </a:ext>
             </a:extLst>
           </p:cNvPr>
@@ -17220,10 +17224,10 @@
       </p:sp>
       <p:sp>
         <p:nvSpPr>
-          <p:cNvPr id="279" name="Oval 278">
+          <p:cNvPr id="398" name="Oval 397">
             <a:extLst>
               <a:ext uri="{FF2B5EF4-FFF2-40B4-BE49-F238E27FC236}">
-                <a16:creationId xmlns:a16="http://schemas.microsoft.com/office/drawing/2014/main" id="{C06F8A1C-816A-4458-BA7D-2CE0543BD6CC}"/>
+                <a16:creationId xmlns:a16="http://schemas.microsoft.com/office/drawing/2014/main" id="{6E02DE61-1B46-4577-9245-345DEB97943B}"/>
               </a:ext>
             </a:extLst>
           </p:cNvPr>
@@ -17269,10 +17273,10 @@
       </p:sp>
       <p:sp>
         <p:nvSpPr>
-          <p:cNvPr id="280" name="Oval 279">
+          <p:cNvPr id="399" name="Oval 398">
             <a:extLst>
               <a:ext uri="{FF2B5EF4-FFF2-40B4-BE49-F238E27FC236}">
-                <a16:creationId xmlns:a16="http://schemas.microsoft.com/office/drawing/2014/main" id="{32399C1A-F71B-4056-8639-EAEC09F4036C}"/>
+                <a16:creationId xmlns:a16="http://schemas.microsoft.com/office/drawing/2014/main" id="{30769190-D64C-40DA-BA83-6C2CD99D2818}"/>
               </a:ext>
             </a:extLst>
           </p:cNvPr>
@@ -17318,10 +17322,10 @@
       </p:sp>
       <p:sp>
         <p:nvSpPr>
-          <p:cNvPr id="281" name="Oval 280">
+          <p:cNvPr id="400" name="Oval 399">
             <a:extLst>
               <a:ext uri="{FF2B5EF4-FFF2-40B4-BE49-F238E27FC236}">
-                <a16:creationId xmlns:a16="http://schemas.microsoft.com/office/drawing/2014/main" id="{0B51CF09-6033-48A1-85A9-DD9CE2506552}"/>
+                <a16:creationId xmlns:a16="http://schemas.microsoft.com/office/drawing/2014/main" id="{651D93F5-230C-485C-8DB4-C138450986A8}"/>
               </a:ext>
             </a:extLst>
           </p:cNvPr>
@@ -17367,10 +17371,10 @@
       </p:sp>
       <p:sp>
         <p:nvSpPr>
-          <p:cNvPr id="282" name="Oval 281">
+          <p:cNvPr id="401" name="Oval 400">
             <a:extLst>
               <a:ext uri="{FF2B5EF4-FFF2-40B4-BE49-F238E27FC236}">
-                <a16:creationId xmlns:a16="http://schemas.microsoft.com/office/drawing/2014/main" id="{C2399BC9-E268-4671-963B-31FE4CE67075}"/>
+                <a16:creationId xmlns:a16="http://schemas.microsoft.com/office/drawing/2014/main" id="{F9F98466-627E-428B-BEB9-3C9239E3F90C}"/>
               </a:ext>
             </a:extLst>
           </p:cNvPr>
@@ -17416,10 +17420,10 @@
       </p:sp>
       <p:sp>
         <p:nvSpPr>
-          <p:cNvPr id="283" name="Oval 282">
+          <p:cNvPr id="402" name="Oval 401">
             <a:extLst>
               <a:ext uri="{FF2B5EF4-FFF2-40B4-BE49-F238E27FC236}">
-                <a16:creationId xmlns:a16="http://schemas.microsoft.com/office/drawing/2014/main" id="{05294ABE-64F6-495A-A74D-8E6DF27EBEC3}"/>
+                <a16:creationId xmlns:a16="http://schemas.microsoft.com/office/drawing/2014/main" id="{02C3E349-6CC5-4CB4-98F2-25AFD935E465}"/>
               </a:ext>
             </a:extLst>
           </p:cNvPr>
@@ -17465,10 +17469,10 @@
       </p:sp>
       <p:sp>
         <p:nvSpPr>
-          <p:cNvPr id="284" name="Oval 283">
+          <p:cNvPr id="403" name="Oval 402">
             <a:extLst>
               <a:ext uri="{FF2B5EF4-FFF2-40B4-BE49-F238E27FC236}">
-                <a16:creationId xmlns:a16="http://schemas.microsoft.com/office/drawing/2014/main" id="{A78FE4B7-79B7-4B1B-8423-FC44CEEFC9BA}"/>
+                <a16:creationId xmlns:a16="http://schemas.microsoft.com/office/drawing/2014/main" id="{DB948469-3D7E-44A4-8E89-E4D47DBE6A3C}"/>
               </a:ext>
             </a:extLst>
           </p:cNvPr>
@@ -17514,10 +17518,10 @@
       </p:sp>
       <p:sp>
         <p:nvSpPr>
-          <p:cNvPr id="285" name="Oval 284">
+          <p:cNvPr id="404" name="Oval 403">
             <a:extLst>
               <a:ext uri="{FF2B5EF4-FFF2-40B4-BE49-F238E27FC236}">
-                <a16:creationId xmlns:a16="http://schemas.microsoft.com/office/drawing/2014/main" id="{DE89B992-7462-4F5C-AE57-973A22706164}"/>
+                <a16:creationId xmlns:a16="http://schemas.microsoft.com/office/drawing/2014/main" id="{33E5C837-BAEA-4DF4-979A-59ABD5F1BAA7}"/>
               </a:ext>
             </a:extLst>
           </p:cNvPr>
@@ -17563,10 +17567,10 @@
       </p:sp>
       <p:sp>
         <p:nvSpPr>
-          <p:cNvPr id="286" name="Oval 285">
+          <p:cNvPr id="405" name="Oval 404">
             <a:extLst>
               <a:ext uri="{FF2B5EF4-FFF2-40B4-BE49-F238E27FC236}">
-                <a16:creationId xmlns:a16="http://schemas.microsoft.com/office/drawing/2014/main" id="{3C049DE3-3FCA-4CC0-9EAC-E28DD898DA94}"/>
+                <a16:creationId xmlns:a16="http://schemas.microsoft.com/office/drawing/2014/main" id="{C3250E61-2D65-45FF-98E5-2ED75B56B0FF}"/>
               </a:ext>
             </a:extLst>
           </p:cNvPr>
@@ -17612,10 +17616,10 @@
       </p:sp>
       <p:sp>
         <p:nvSpPr>
-          <p:cNvPr id="287" name="Oval 286">
+          <p:cNvPr id="406" name="Oval 405">
             <a:extLst>
               <a:ext uri="{FF2B5EF4-FFF2-40B4-BE49-F238E27FC236}">
-                <a16:creationId xmlns:a16="http://schemas.microsoft.com/office/drawing/2014/main" id="{4DBBE810-C1F0-47C1-A616-3408988B1D7D}"/>
+                <a16:creationId xmlns:a16="http://schemas.microsoft.com/office/drawing/2014/main" id="{DBFA1860-7558-4B84-83B6-73957C48D6C6}"/>
               </a:ext>
             </a:extLst>
           </p:cNvPr>
@@ -17661,10 +17665,10 @@
       </p:sp>
       <p:sp>
         <p:nvSpPr>
-          <p:cNvPr id="288" name="Oval 287">
+          <p:cNvPr id="407" name="Oval 406">
             <a:extLst>
               <a:ext uri="{FF2B5EF4-FFF2-40B4-BE49-F238E27FC236}">
-                <a16:creationId xmlns:a16="http://schemas.microsoft.com/office/drawing/2014/main" id="{CE067D97-634D-4677-AB47-5B2408F9A393}"/>
+                <a16:creationId xmlns:a16="http://schemas.microsoft.com/office/drawing/2014/main" id="{1C84C41B-9339-40AB-AB20-CB41F165B721}"/>
               </a:ext>
             </a:extLst>
           </p:cNvPr>
@@ -17710,10 +17714,10 @@
       </p:sp>
       <p:sp>
         <p:nvSpPr>
-          <p:cNvPr id="289" name="Oval 288">
+          <p:cNvPr id="408" name="Oval 407">
             <a:extLst>
               <a:ext uri="{FF2B5EF4-FFF2-40B4-BE49-F238E27FC236}">
-                <a16:creationId xmlns:a16="http://schemas.microsoft.com/office/drawing/2014/main" id="{4E67C0FA-7961-4AB5-A73F-DA9810FC77C3}"/>
+                <a16:creationId xmlns:a16="http://schemas.microsoft.com/office/drawing/2014/main" id="{751C1D52-A158-48FE-B974-8D461BF63392}"/>
               </a:ext>
             </a:extLst>
           </p:cNvPr>
@@ -17759,10 +17763,10 @@
       </p:sp>
       <p:sp>
         <p:nvSpPr>
-          <p:cNvPr id="290" name="Oval 289">
+          <p:cNvPr id="409" name="Oval 408">
             <a:extLst>
               <a:ext uri="{FF2B5EF4-FFF2-40B4-BE49-F238E27FC236}">
-                <a16:creationId xmlns:a16="http://schemas.microsoft.com/office/drawing/2014/main" id="{4BED7AFF-5D7C-45CC-AC4F-58D4D90660C3}"/>
+                <a16:creationId xmlns:a16="http://schemas.microsoft.com/office/drawing/2014/main" id="{AD16A63D-C3A7-4F0D-830D-25336E758222}"/>
               </a:ext>
             </a:extLst>
           </p:cNvPr>
@@ -17808,10 +17812,10 @@
       </p:sp>
       <p:sp>
         <p:nvSpPr>
-          <p:cNvPr id="291" name="Oval 290">
+          <p:cNvPr id="410" name="Oval 409">
             <a:extLst>
               <a:ext uri="{FF2B5EF4-FFF2-40B4-BE49-F238E27FC236}">
-                <a16:creationId xmlns:a16="http://schemas.microsoft.com/office/drawing/2014/main" id="{EFAD8784-844D-4DB4-9C40-F35BB54C9B17}"/>
+                <a16:creationId xmlns:a16="http://schemas.microsoft.com/office/drawing/2014/main" id="{E7CD4247-F67D-4B51-B935-5E5A212255BB}"/>
               </a:ext>
             </a:extLst>
           </p:cNvPr>
@@ -17857,10 +17861,10 @@
       </p:sp>
       <p:sp>
         <p:nvSpPr>
-          <p:cNvPr id="292" name="Oval 291">
+          <p:cNvPr id="411" name="Oval 410">
             <a:extLst>
               <a:ext uri="{FF2B5EF4-FFF2-40B4-BE49-F238E27FC236}">
-                <a16:creationId xmlns:a16="http://schemas.microsoft.com/office/drawing/2014/main" id="{D1311C02-08F4-489F-9520-E11E225BAE30}"/>
+                <a16:creationId xmlns:a16="http://schemas.microsoft.com/office/drawing/2014/main" id="{FC345CF0-3CD8-4D9C-9C0F-42FFD0F1F1BD}"/>
               </a:ext>
             </a:extLst>
           </p:cNvPr>
@@ -17906,10 +17910,10 @@
       </p:sp>
       <p:sp>
         <p:nvSpPr>
-          <p:cNvPr id="293" name="Oval 292">
+          <p:cNvPr id="412" name="Oval 411">
             <a:extLst>
               <a:ext uri="{FF2B5EF4-FFF2-40B4-BE49-F238E27FC236}">
-                <a16:creationId xmlns:a16="http://schemas.microsoft.com/office/drawing/2014/main" id="{8D208F85-D90B-41B6-96F7-A7B2FFBF632C}"/>
+                <a16:creationId xmlns:a16="http://schemas.microsoft.com/office/drawing/2014/main" id="{011B7246-0B07-4778-9FF2-185AFD287233}"/>
               </a:ext>
             </a:extLst>
           </p:cNvPr>
@@ -17955,10 +17959,10 @@
       </p:sp>
       <p:sp>
         <p:nvSpPr>
-          <p:cNvPr id="294" name="Oval 293">
+          <p:cNvPr id="413" name="Oval 412">
             <a:extLst>
               <a:ext uri="{FF2B5EF4-FFF2-40B4-BE49-F238E27FC236}">
-                <a16:creationId xmlns:a16="http://schemas.microsoft.com/office/drawing/2014/main" id="{9676C529-4926-4CDA-B794-837ED1225129}"/>
+                <a16:creationId xmlns:a16="http://schemas.microsoft.com/office/drawing/2014/main" id="{286B70CC-3250-4B4A-933C-553B44EF1A8B}"/>
               </a:ext>
             </a:extLst>
           </p:cNvPr>
@@ -18004,10 +18008,10 @@
       </p:sp>
       <p:sp>
         <p:nvSpPr>
-          <p:cNvPr id="295" name="Oval 294">
+          <p:cNvPr id="414" name="Oval 413">
             <a:extLst>
               <a:ext uri="{FF2B5EF4-FFF2-40B4-BE49-F238E27FC236}">
-                <a16:creationId xmlns:a16="http://schemas.microsoft.com/office/drawing/2014/main" id="{E15565B1-0DDB-4CEE-9688-C2B4B4DF9EF8}"/>
+                <a16:creationId xmlns:a16="http://schemas.microsoft.com/office/drawing/2014/main" id="{42171B05-9378-4058-BD4A-6C00FAC5E796}"/>
               </a:ext>
             </a:extLst>
           </p:cNvPr>
@@ -18053,10 +18057,10 @@
       </p:sp>
       <p:sp>
         <p:nvSpPr>
-          <p:cNvPr id="296" name="Oval 295">
+          <p:cNvPr id="415" name="Oval 414">
             <a:extLst>
               <a:ext uri="{FF2B5EF4-FFF2-40B4-BE49-F238E27FC236}">
-                <a16:creationId xmlns:a16="http://schemas.microsoft.com/office/drawing/2014/main" id="{7B47B68D-0483-4734-BA75-7AE9C5E5A711}"/>
+                <a16:creationId xmlns:a16="http://schemas.microsoft.com/office/drawing/2014/main" id="{A69492FB-4A39-4592-B027-358AC96BC0BB}"/>
               </a:ext>
             </a:extLst>
           </p:cNvPr>
@@ -18102,10 +18106,10 @@
       </p:sp>
       <p:sp>
         <p:nvSpPr>
-          <p:cNvPr id="297" name="Oval 296">
+          <p:cNvPr id="416" name="Oval 415">
             <a:extLst>
               <a:ext uri="{FF2B5EF4-FFF2-40B4-BE49-F238E27FC236}">
-                <a16:creationId xmlns:a16="http://schemas.microsoft.com/office/drawing/2014/main" id="{7FACD263-6C37-471B-97C6-79E91D6EBA41}"/>
+                <a16:creationId xmlns:a16="http://schemas.microsoft.com/office/drawing/2014/main" id="{2545EA01-0F2A-4262-B60A-F88841195D87}"/>
               </a:ext>
             </a:extLst>
           </p:cNvPr>
@@ -18151,10 +18155,10 @@
       </p:sp>
       <p:sp>
         <p:nvSpPr>
-          <p:cNvPr id="298" name="Oval 297">
+          <p:cNvPr id="417" name="Oval 416">
             <a:extLst>
               <a:ext uri="{FF2B5EF4-FFF2-40B4-BE49-F238E27FC236}">
-                <a16:creationId xmlns:a16="http://schemas.microsoft.com/office/drawing/2014/main" id="{D9A5D38D-BBB6-4DB6-958A-2A82F627F3E4}"/>
+                <a16:creationId xmlns:a16="http://schemas.microsoft.com/office/drawing/2014/main" id="{A11C23D4-B76C-49F8-ABD1-DE9BC3F4EC42}"/>
               </a:ext>
             </a:extLst>
           </p:cNvPr>
@@ -18200,10 +18204,10 @@
       </p:sp>
       <p:sp>
         <p:nvSpPr>
-          <p:cNvPr id="299" name="Oval 298">
+          <p:cNvPr id="418" name="Oval 417">
             <a:extLst>
               <a:ext uri="{FF2B5EF4-FFF2-40B4-BE49-F238E27FC236}">
-                <a16:creationId xmlns:a16="http://schemas.microsoft.com/office/drawing/2014/main" id="{728966A9-E8FD-461F-A880-AD48C9B16C6C}"/>
+                <a16:creationId xmlns:a16="http://schemas.microsoft.com/office/drawing/2014/main" id="{62A18CE9-ECB0-46AA-9E64-73D780BADBCC}"/>
               </a:ext>
             </a:extLst>
           </p:cNvPr>
@@ -18249,10 +18253,10 @@
       </p:sp>
       <p:sp>
         <p:nvSpPr>
-          <p:cNvPr id="300" name="Oval 299">
+          <p:cNvPr id="419" name="Oval 418">
             <a:extLst>
               <a:ext uri="{FF2B5EF4-FFF2-40B4-BE49-F238E27FC236}">
-                <a16:creationId xmlns:a16="http://schemas.microsoft.com/office/drawing/2014/main" id="{DE359D56-8BEC-4B05-88CE-60C492D76653}"/>
+                <a16:creationId xmlns:a16="http://schemas.microsoft.com/office/drawing/2014/main" id="{BCD97574-7F70-459F-B6EE-797816158A1A}"/>
               </a:ext>
             </a:extLst>
           </p:cNvPr>
@@ -18298,10 +18302,10 @@
       </p:sp>
       <p:sp>
         <p:nvSpPr>
-          <p:cNvPr id="301" name="Oval 300">
+          <p:cNvPr id="420" name="Oval 419">
             <a:extLst>
               <a:ext uri="{FF2B5EF4-FFF2-40B4-BE49-F238E27FC236}">
-                <a16:creationId xmlns:a16="http://schemas.microsoft.com/office/drawing/2014/main" id="{BF9FB252-470F-44F5-AAE2-96CE9570808B}"/>
+                <a16:creationId xmlns:a16="http://schemas.microsoft.com/office/drawing/2014/main" id="{4D2EE4E5-5F38-4DA5-B385-C42AEA5DA0FC}"/>
               </a:ext>
             </a:extLst>
           </p:cNvPr>
@@ -18347,10 +18351,10 @@
       </p:sp>
       <p:sp>
         <p:nvSpPr>
-          <p:cNvPr id="302" name="Oval 301">
+          <p:cNvPr id="421" name="Oval 420">
             <a:extLst>
               <a:ext uri="{FF2B5EF4-FFF2-40B4-BE49-F238E27FC236}">
-                <a16:creationId xmlns:a16="http://schemas.microsoft.com/office/drawing/2014/main" id="{6F14E439-5368-4E19-9D39-34FE424287EC}"/>
+                <a16:creationId xmlns:a16="http://schemas.microsoft.com/office/drawing/2014/main" id="{BCABB892-E675-4E2B-9DE1-56D9109A5A0B}"/>
               </a:ext>
             </a:extLst>
           </p:cNvPr>
@@ -18396,10 +18400,10 @@
       </p:sp>
       <p:sp>
         <p:nvSpPr>
-          <p:cNvPr id="303" name="Oval 302">
+          <p:cNvPr id="422" name="Oval 421">
             <a:extLst>
               <a:ext uri="{FF2B5EF4-FFF2-40B4-BE49-F238E27FC236}">
-                <a16:creationId xmlns:a16="http://schemas.microsoft.com/office/drawing/2014/main" id="{049D3104-84B8-46C8-9ECC-E6B06EED3829}"/>
+                <a16:creationId xmlns:a16="http://schemas.microsoft.com/office/drawing/2014/main" id="{EB9DEE5A-7C8E-405B-9F7C-9B492F46F556}"/>
               </a:ext>
             </a:extLst>
           </p:cNvPr>
@@ -18445,10 +18449,10 @@
       </p:sp>
       <p:sp>
         <p:nvSpPr>
-          <p:cNvPr id="304" name="Oval 303">
+          <p:cNvPr id="423" name="Oval 422">
             <a:extLst>
               <a:ext uri="{FF2B5EF4-FFF2-40B4-BE49-F238E27FC236}">
-                <a16:creationId xmlns:a16="http://schemas.microsoft.com/office/drawing/2014/main" id="{717ADB01-BE76-4AB7-AC64-5FA23DD4E032}"/>
+                <a16:creationId xmlns:a16="http://schemas.microsoft.com/office/drawing/2014/main" id="{3F8EDC33-C50B-46CF-9C0F-616EFB370B31}"/>
               </a:ext>
             </a:extLst>
           </p:cNvPr>
@@ -18494,10 +18498,10 @@
       </p:sp>
       <p:sp>
         <p:nvSpPr>
-          <p:cNvPr id="305" name="Oval 304">
+          <p:cNvPr id="424" name="Oval 423">
             <a:extLst>
               <a:ext uri="{FF2B5EF4-FFF2-40B4-BE49-F238E27FC236}">
-                <a16:creationId xmlns:a16="http://schemas.microsoft.com/office/drawing/2014/main" id="{628EDE96-8914-41EA-8D93-BBBFC6C1D235}"/>
+                <a16:creationId xmlns:a16="http://schemas.microsoft.com/office/drawing/2014/main" id="{4E1E6D8D-912B-4DEE-B603-6AC8C84927FB}"/>
               </a:ext>
             </a:extLst>
           </p:cNvPr>
@@ -18543,10 +18547,10 @@
       </p:sp>
       <p:sp>
         <p:nvSpPr>
-          <p:cNvPr id="306" name="Oval 305">
+          <p:cNvPr id="425" name="Oval 424">
             <a:extLst>
               <a:ext uri="{FF2B5EF4-FFF2-40B4-BE49-F238E27FC236}">
-                <a16:creationId xmlns:a16="http://schemas.microsoft.com/office/drawing/2014/main" id="{15ABB834-F5F4-40CB-8333-D2F1C3463B91}"/>
+                <a16:creationId xmlns:a16="http://schemas.microsoft.com/office/drawing/2014/main" id="{E588E563-CF1C-44B0-8F1B-0CED0EE743F0}"/>
               </a:ext>
             </a:extLst>
           </p:cNvPr>
@@ -18592,10 +18596,10 @@
       </p:sp>
       <p:sp>
         <p:nvSpPr>
-          <p:cNvPr id="307" name="Oval 306">
+          <p:cNvPr id="426" name="Oval 425">
             <a:extLst>
               <a:ext uri="{FF2B5EF4-FFF2-40B4-BE49-F238E27FC236}">
-                <a16:creationId xmlns:a16="http://schemas.microsoft.com/office/drawing/2014/main" id="{C758BAE5-1F57-4BD0-B9CC-634EFFBC7325}"/>
+                <a16:creationId xmlns:a16="http://schemas.microsoft.com/office/drawing/2014/main" id="{A2AB8DB9-C08D-4DB1-8206-89A86B79D988}"/>
               </a:ext>
             </a:extLst>
           </p:cNvPr>
@@ -18641,10 +18645,10 @@
       </p:sp>
       <p:sp>
         <p:nvSpPr>
-          <p:cNvPr id="308" name="Oval 307">
+          <p:cNvPr id="427" name="Oval 426">
             <a:extLst>
               <a:ext uri="{FF2B5EF4-FFF2-40B4-BE49-F238E27FC236}">
-                <a16:creationId xmlns:a16="http://schemas.microsoft.com/office/drawing/2014/main" id="{93C6D396-9C3A-4CE5-B484-B701F0F7E385}"/>
+                <a16:creationId xmlns:a16="http://schemas.microsoft.com/office/drawing/2014/main" id="{B175A0F1-074E-41EB-8FDC-8120C6982326}"/>
               </a:ext>
             </a:extLst>
           </p:cNvPr>
@@ -18690,10 +18694,10 @@
       </p:sp>
       <p:sp>
         <p:nvSpPr>
-          <p:cNvPr id="309" name="Oval 308">
+          <p:cNvPr id="428" name="Oval 427">
             <a:extLst>
               <a:ext uri="{FF2B5EF4-FFF2-40B4-BE49-F238E27FC236}">
-                <a16:creationId xmlns:a16="http://schemas.microsoft.com/office/drawing/2014/main" id="{555CFF99-7C62-47E5-B9C5-BDC9AF6FE0CA}"/>
+                <a16:creationId xmlns:a16="http://schemas.microsoft.com/office/drawing/2014/main" id="{B2B180FF-4893-45E0-8E7A-4073C0C40AAC}"/>
               </a:ext>
             </a:extLst>
           </p:cNvPr>
@@ -18739,10 +18743,10 @@
       </p:sp>
       <p:sp>
         <p:nvSpPr>
-          <p:cNvPr id="310" name="Oval 309">
+          <p:cNvPr id="429" name="Oval 428">
             <a:extLst>
               <a:ext uri="{FF2B5EF4-FFF2-40B4-BE49-F238E27FC236}">
-                <a16:creationId xmlns:a16="http://schemas.microsoft.com/office/drawing/2014/main" id="{3E8300DC-EC76-48D5-86BE-6DF4D715A972}"/>
+                <a16:creationId xmlns:a16="http://schemas.microsoft.com/office/drawing/2014/main" id="{681BA9BF-72AE-410F-A230-1FBDD8E9B02C}"/>
               </a:ext>
             </a:extLst>
           </p:cNvPr>
@@ -18788,10 +18792,10 @@
       </p:sp>
       <p:sp>
         <p:nvSpPr>
-          <p:cNvPr id="311" name="Oval 310">
+          <p:cNvPr id="430" name="Oval 429">
             <a:extLst>
               <a:ext uri="{FF2B5EF4-FFF2-40B4-BE49-F238E27FC236}">
-                <a16:creationId xmlns:a16="http://schemas.microsoft.com/office/drawing/2014/main" id="{7E0B0822-6C53-4CAD-8B69-F4537FFF56F3}"/>
+                <a16:creationId xmlns:a16="http://schemas.microsoft.com/office/drawing/2014/main" id="{8BEEAD80-CBA3-4BF2-B2F2-74316C7195C5}"/>
               </a:ext>
             </a:extLst>
           </p:cNvPr>
@@ -18837,10 +18841,10 @@
       </p:sp>
       <p:sp>
         <p:nvSpPr>
-          <p:cNvPr id="312" name="Oval 311">
+          <p:cNvPr id="431" name="Oval 430">
             <a:extLst>
               <a:ext uri="{FF2B5EF4-FFF2-40B4-BE49-F238E27FC236}">
-                <a16:creationId xmlns:a16="http://schemas.microsoft.com/office/drawing/2014/main" id="{2B6E0EAA-4F1E-42D0-9854-3360A03E2E80}"/>
+                <a16:creationId xmlns:a16="http://schemas.microsoft.com/office/drawing/2014/main" id="{698E3C08-BF53-4614-AB08-ECA4FAEE080D}"/>
               </a:ext>
             </a:extLst>
           </p:cNvPr>
@@ -18886,10 +18890,10 @@
       </p:sp>
       <p:sp>
         <p:nvSpPr>
-          <p:cNvPr id="313" name="Oval 312">
+          <p:cNvPr id="432" name="Oval 431">
             <a:extLst>
               <a:ext uri="{FF2B5EF4-FFF2-40B4-BE49-F238E27FC236}">
-                <a16:creationId xmlns:a16="http://schemas.microsoft.com/office/drawing/2014/main" id="{12788103-206D-454C-B049-642F03DA2801}"/>
+                <a16:creationId xmlns:a16="http://schemas.microsoft.com/office/drawing/2014/main" id="{2ACABFD4-10BB-4CA0-8372-482CFBE68559}"/>
               </a:ext>
             </a:extLst>
           </p:cNvPr>
@@ -18935,10 +18939,10 @@
       </p:sp>
       <p:sp>
         <p:nvSpPr>
-          <p:cNvPr id="314" name="Oval 313">
+          <p:cNvPr id="433" name="Oval 432">
             <a:extLst>
               <a:ext uri="{FF2B5EF4-FFF2-40B4-BE49-F238E27FC236}">
-                <a16:creationId xmlns:a16="http://schemas.microsoft.com/office/drawing/2014/main" id="{1B5CD920-6D4D-460A-BF57-04822B843694}"/>
+                <a16:creationId xmlns:a16="http://schemas.microsoft.com/office/drawing/2014/main" id="{ECE25354-F489-491D-A495-AACA9C900BF2}"/>
               </a:ext>
             </a:extLst>
           </p:cNvPr>
@@ -18984,10 +18988,10 @@
       </p:sp>
       <p:sp>
         <p:nvSpPr>
-          <p:cNvPr id="315" name="Oval 314">
+          <p:cNvPr id="434" name="Oval 433">
             <a:extLst>
               <a:ext uri="{FF2B5EF4-FFF2-40B4-BE49-F238E27FC236}">
-                <a16:creationId xmlns:a16="http://schemas.microsoft.com/office/drawing/2014/main" id="{71BDF411-B4ED-4F44-9AD1-97EDC4F1C5C8}"/>
+                <a16:creationId xmlns:a16="http://schemas.microsoft.com/office/drawing/2014/main" id="{CDA974FA-9EA2-41D9-9BA9-A4AC68714EE5}"/>
               </a:ext>
             </a:extLst>
           </p:cNvPr>
@@ -19033,10 +19037,10 @@
       </p:sp>
       <p:sp>
         <p:nvSpPr>
-          <p:cNvPr id="316" name="Oval 315">
+          <p:cNvPr id="435" name="Oval 434">
             <a:extLst>
               <a:ext uri="{FF2B5EF4-FFF2-40B4-BE49-F238E27FC236}">
-                <a16:creationId xmlns:a16="http://schemas.microsoft.com/office/drawing/2014/main" id="{7060F9C9-8C18-4A50-A28C-1D8F257F35F7}"/>
+                <a16:creationId xmlns:a16="http://schemas.microsoft.com/office/drawing/2014/main" id="{664FF419-C305-48AA-A88E-762E39B721D4}"/>
               </a:ext>
             </a:extLst>
           </p:cNvPr>
@@ -19082,10 +19086,10 @@
       </p:sp>
       <p:sp>
         <p:nvSpPr>
-          <p:cNvPr id="317" name="Oval 316">
+          <p:cNvPr id="436" name="Oval 435">
             <a:extLst>
               <a:ext uri="{FF2B5EF4-FFF2-40B4-BE49-F238E27FC236}">
-                <a16:creationId xmlns:a16="http://schemas.microsoft.com/office/drawing/2014/main" id="{5AF58968-87F9-4391-A501-A5BD0464CAC9}"/>
+                <a16:creationId xmlns:a16="http://schemas.microsoft.com/office/drawing/2014/main" id="{7F08358F-6A45-4268-BADF-057CB2CD6850}"/>
               </a:ext>
             </a:extLst>
           </p:cNvPr>
@@ -19131,10 +19135,10 @@
       </p:sp>
       <p:sp>
         <p:nvSpPr>
-          <p:cNvPr id="318" name="Oval 317">
+          <p:cNvPr id="437" name="Oval 436">
             <a:extLst>
               <a:ext uri="{FF2B5EF4-FFF2-40B4-BE49-F238E27FC236}">
-                <a16:creationId xmlns:a16="http://schemas.microsoft.com/office/drawing/2014/main" id="{EA71B8F3-363D-4E72-A414-94D896BC7AE8}"/>
+                <a16:creationId xmlns:a16="http://schemas.microsoft.com/office/drawing/2014/main" id="{A8D4AF54-67B3-4BFC-B27D-33F05B9C9A88}"/>
               </a:ext>
             </a:extLst>
           </p:cNvPr>
@@ -19180,10 +19184,10 @@
       </p:sp>
       <p:sp>
         <p:nvSpPr>
-          <p:cNvPr id="319" name="Oval 318">
+          <p:cNvPr id="438" name="Oval 437">
             <a:extLst>
               <a:ext uri="{FF2B5EF4-FFF2-40B4-BE49-F238E27FC236}">
-                <a16:creationId xmlns:a16="http://schemas.microsoft.com/office/drawing/2014/main" id="{D4B3331F-FE0F-40A9-B935-FFC06724445A}"/>
+                <a16:creationId xmlns:a16="http://schemas.microsoft.com/office/drawing/2014/main" id="{38D2D5E2-DB38-4040-92AF-4F74DD8368BB}"/>
               </a:ext>
             </a:extLst>
           </p:cNvPr>
@@ -19229,10 +19233,10 @@
       </p:sp>
       <p:sp>
         <p:nvSpPr>
-          <p:cNvPr id="320" name="Oval 319">
+          <p:cNvPr id="439" name="Oval 438">
             <a:extLst>
               <a:ext uri="{FF2B5EF4-FFF2-40B4-BE49-F238E27FC236}">
-                <a16:creationId xmlns:a16="http://schemas.microsoft.com/office/drawing/2014/main" id="{0275D7FB-262C-463E-90BA-2D33C0D5C917}"/>
+                <a16:creationId xmlns:a16="http://schemas.microsoft.com/office/drawing/2014/main" id="{F4830481-E992-4B58-8E77-6448DDFA41FF}"/>
               </a:ext>
             </a:extLst>
           </p:cNvPr>
@@ -19278,10 +19282,10 @@
       </p:sp>
       <p:sp>
         <p:nvSpPr>
-          <p:cNvPr id="321" name="Oval 320">
+          <p:cNvPr id="440" name="Oval 439">
             <a:extLst>
               <a:ext uri="{FF2B5EF4-FFF2-40B4-BE49-F238E27FC236}">
-                <a16:creationId xmlns:a16="http://schemas.microsoft.com/office/drawing/2014/main" id="{94566C14-6DD5-4BEB-928F-98660878726E}"/>
+                <a16:creationId xmlns:a16="http://schemas.microsoft.com/office/drawing/2014/main" id="{B6E39B2D-7BB4-48BC-971E-06E07C022EFD}"/>
               </a:ext>
             </a:extLst>
           </p:cNvPr>
@@ -19327,10 +19331,10 @@
       </p:sp>
       <p:sp>
         <p:nvSpPr>
-          <p:cNvPr id="322" name="Oval 321">
+          <p:cNvPr id="441" name="Oval 440">
             <a:extLst>
               <a:ext uri="{FF2B5EF4-FFF2-40B4-BE49-F238E27FC236}">
-                <a16:creationId xmlns:a16="http://schemas.microsoft.com/office/drawing/2014/main" id="{54847563-04C2-45B6-84B4-05EA83A849F9}"/>
+                <a16:creationId xmlns:a16="http://schemas.microsoft.com/office/drawing/2014/main" id="{F26355FF-6290-440F-82CC-2F6E3760BBC7}"/>
               </a:ext>
             </a:extLst>
           </p:cNvPr>
@@ -19376,10 +19380,10 @@
       </p:sp>
       <p:sp>
         <p:nvSpPr>
-          <p:cNvPr id="323" name="Oval 322">
+          <p:cNvPr id="442" name="Oval 441">
             <a:extLst>
               <a:ext uri="{FF2B5EF4-FFF2-40B4-BE49-F238E27FC236}">
-                <a16:creationId xmlns:a16="http://schemas.microsoft.com/office/drawing/2014/main" id="{21E9D24A-4C05-4F8B-BD8D-68D49E9056EE}"/>
+                <a16:creationId xmlns:a16="http://schemas.microsoft.com/office/drawing/2014/main" id="{AF84B79E-2922-4F58-8CA6-27EE249EFAA6}"/>
               </a:ext>
             </a:extLst>
           </p:cNvPr>
@@ -19425,10 +19429,10 @@
       </p:sp>
       <p:sp>
         <p:nvSpPr>
-          <p:cNvPr id="324" name="Oval 323">
+          <p:cNvPr id="443" name="Oval 442">
             <a:extLst>
               <a:ext uri="{FF2B5EF4-FFF2-40B4-BE49-F238E27FC236}">
-                <a16:creationId xmlns:a16="http://schemas.microsoft.com/office/drawing/2014/main" id="{C6C38733-B254-4DFB-8CE0-28201101A008}"/>
+                <a16:creationId xmlns:a16="http://schemas.microsoft.com/office/drawing/2014/main" id="{D394CF01-2560-4DAC-A8E8-FDEDAFC86EAF}"/>
               </a:ext>
             </a:extLst>
           </p:cNvPr>
@@ -19474,10 +19478,10 @@
       </p:sp>
       <p:sp>
         <p:nvSpPr>
-          <p:cNvPr id="325" name="Oval 324">
+          <p:cNvPr id="444" name="Oval 443">
             <a:extLst>
               <a:ext uri="{FF2B5EF4-FFF2-40B4-BE49-F238E27FC236}">
-                <a16:creationId xmlns:a16="http://schemas.microsoft.com/office/drawing/2014/main" id="{EB618EC4-671E-4762-9ABF-6AE9D1A8EF9D}"/>
+                <a16:creationId xmlns:a16="http://schemas.microsoft.com/office/drawing/2014/main" id="{719B5233-86A1-4FC4-B931-7E2F1A6F60D8}"/>
               </a:ext>
             </a:extLst>
           </p:cNvPr>
@@ -19523,10 +19527,10 @@
       </p:sp>
       <p:sp>
         <p:nvSpPr>
-          <p:cNvPr id="326" name="Oval 325">
+          <p:cNvPr id="445" name="Oval 444">
             <a:extLst>
               <a:ext uri="{FF2B5EF4-FFF2-40B4-BE49-F238E27FC236}">
-                <a16:creationId xmlns:a16="http://schemas.microsoft.com/office/drawing/2014/main" id="{3B14B7AA-52F3-40DD-89C4-8D73EC942DFB}"/>
+                <a16:creationId xmlns:a16="http://schemas.microsoft.com/office/drawing/2014/main" id="{EABF62E6-6627-432B-8AC1-25725FAC99C3}"/>
               </a:ext>
             </a:extLst>
           </p:cNvPr>
@@ -19572,10 +19576,10 @@
       </p:sp>
       <p:sp>
         <p:nvSpPr>
-          <p:cNvPr id="327" name="Oval 326">
+          <p:cNvPr id="446" name="Oval 445">
             <a:extLst>
               <a:ext uri="{FF2B5EF4-FFF2-40B4-BE49-F238E27FC236}">
-                <a16:creationId xmlns:a16="http://schemas.microsoft.com/office/drawing/2014/main" id="{90032E14-0AB5-4BF3-9047-D07DD9BF07A6}"/>
+                <a16:creationId xmlns:a16="http://schemas.microsoft.com/office/drawing/2014/main" id="{295D8916-4D50-4695-A163-D039AD3AAA4E}"/>
               </a:ext>
             </a:extLst>
           </p:cNvPr>
@@ -19621,10 +19625,10 @@
       </p:sp>
       <p:sp>
         <p:nvSpPr>
-          <p:cNvPr id="328" name="Oval 327">
+          <p:cNvPr id="447" name="Oval 446">
             <a:extLst>
               <a:ext uri="{FF2B5EF4-FFF2-40B4-BE49-F238E27FC236}">
-                <a16:creationId xmlns:a16="http://schemas.microsoft.com/office/drawing/2014/main" id="{6F38E50A-CE86-4B7C-97E1-319D6272A9D0}"/>
+                <a16:creationId xmlns:a16="http://schemas.microsoft.com/office/drawing/2014/main" id="{FB9CFAF8-87C9-4821-87C6-5D34D57AED3A}"/>
               </a:ext>
             </a:extLst>
           </p:cNvPr>
@@ -19670,10 +19674,10 @@
       </p:sp>
       <p:sp>
         <p:nvSpPr>
-          <p:cNvPr id="329" name="Oval 328">
+          <p:cNvPr id="448" name="Oval 447">
             <a:extLst>
               <a:ext uri="{FF2B5EF4-FFF2-40B4-BE49-F238E27FC236}">
-                <a16:creationId xmlns:a16="http://schemas.microsoft.com/office/drawing/2014/main" id="{B1658504-4752-49CB-9176-BB33981D3E59}"/>
+                <a16:creationId xmlns:a16="http://schemas.microsoft.com/office/drawing/2014/main" id="{6669BFBE-611D-418E-B5A3-0FA945E717C4}"/>
               </a:ext>
             </a:extLst>
           </p:cNvPr>
@@ -19719,10 +19723,10 @@
       </p:sp>
       <p:sp>
         <p:nvSpPr>
-          <p:cNvPr id="330" name="Oval 329">
+          <p:cNvPr id="449" name="Oval 448">
             <a:extLst>
               <a:ext uri="{FF2B5EF4-FFF2-40B4-BE49-F238E27FC236}">
-                <a16:creationId xmlns:a16="http://schemas.microsoft.com/office/drawing/2014/main" id="{1E33121B-39E7-478E-B14F-2DD0E7476ACA}"/>
+                <a16:creationId xmlns:a16="http://schemas.microsoft.com/office/drawing/2014/main" id="{B8ADA086-E9FC-45E2-92CC-199E7F5853E3}"/>
               </a:ext>
             </a:extLst>
           </p:cNvPr>
@@ -19768,10 +19772,10 @@
       </p:sp>
       <p:sp>
         <p:nvSpPr>
-          <p:cNvPr id="331" name="Oval 330">
+          <p:cNvPr id="450" name="Oval 449">
             <a:extLst>
               <a:ext uri="{FF2B5EF4-FFF2-40B4-BE49-F238E27FC236}">
-                <a16:creationId xmlns:a16="http://schemas.microsoft.com/office/drawing/2014/main" id="{2EDDB994-FB0E-4A21-9376-7DAE4FA4B4D8}"/>
+                <a16:creationId xmlns:a16="http://schemas.microsoft.com/office/drawing/2014/main" id="{D60B499F-004E-462A-AA91-D33049CF56B7}"/>
               </a:ext>
             </a:extLst>
           </p:cNvPr>
@@ -19817,10 +19821,10 @@
       </p:sp>
       <p:sp>
         <p:nvSpPr>
-          <p:cNvPr id="332" name="Oval 331">
+          <p:cNvPr id="451" name="Oval 450">
             <a:extLst>
               <a:ext uri="{FF2B5EF4-FFF2-40B4-BE49-F238E27FC236}">
-                <a16:creationId xmlns:a16="http://schemas.microsoft.com/office/drawing/2014/main" id="{E2F85192-6D0A-49BC-AD1E-82443CC61558}"/>
+                <a16:creationId xmlns:a16="http://schemas.microsoft.com/office/drawing/2014/main" id="{BF31F3DF-24B7-426E-97A6-F3CFCD140511}"/>
               </a:ext>
             </a:extLst>
           </p:cNvPr>
@@ -19866,10 +19870,10 @@
       </p:sp>
       <p:sp>
         <p:nvSpPr>
-          <p:cNvPr id="333" name="Oval 332">
+          <p:cNvPr id="452" name="Oval 451">
             <a:extLst>
               <a:ext uri="{FF2B5EF4-FFF2-40B4-BE49-F238E27FC236}">
-                <a16:creationId xmlns:a16="http://schemas.microsoft.com/office/drawing/2014/main" id="{3EF150F6-DFE9-4FEC-AD8E-935440E49D0A}"/>
+                <a16:creationId xmlns:a16="http://schemas.microsoft.com/office/drawing/2014/main" id="{96DFD07C-90C1-4C99-9608-13257E494DBA}"/>
               </a:ext>
             </a:extLst>
           </p:cNvPr>
@@ -19915,10 +19919,10 @@
       </p:sp>
       <p:sp>
         <p:nvSpPr>
-          <p:cNvPr id="334" name="Oval 333">
+          <p:cNvPr id="453" name="Oval 452">
             <a:extLst>
               <a:ext uri="{FF2B5EF4-FFF2-40B4-BE49-F238E27FC236}">
-                <a16:creationId xmlns:a16="http://schemas.microsoft.com/office/drawing/2014/main" id="{27267CE2-59BD-410E-8E41-F7E9DAA84F3C}"/>
+                <a16:creationId xmlns:a16="http://schemas.microsoft.com/office/drawing/2014/main" id="{2624EFCF-33A0-49AA-8C87-360C631C89D1}"/>
               </a:ext>
             </a:extLst>
           </p:cNvPr>
@@ -19964,10 +19968,10 @@
       </p:sp>
       <p:sp>
         <p:nvSpPr>
-          <p:cNvPr id="335" name="Oval 334">
+          <p:cNvPr id="454" name="Oval 453">
             <a:extLst>
               <a:ext uri="{FF2B5EF4-FFF2-40B4-BE49-F238E27FC236}">
-                <a16:creationId xmlns:a16="http://schemas.microsoft.com/office/drawing/2014/main" id="{B08DCD44-D1FE-4088-AFC2-98CC704A6B64}"/>
+                <a16:creationId xmlns:a16="http://schemas.microsoft.com/office/drawing/2014/main" id="{C98C47E4-85A3-4CE3-885C-E2A39C572501}"/>
               </a:ext>
             </a:extLst>
           </p:cNvPr>
@@ -20013,10 +20017,10 @@
       </p:sp>
       <p:pic>
         <p:nvPicPr>
-          <p:cNvPr id="336" name="Picture 335">
+          <p:cNvPr id="455" name="Picture 454">
             <a:extLst>
               <a:ext uri="{FF2B5EF4-FFF2-40B4-BE49-F238E27FC236}">
-                <a16:creationId xmlns:a16="http://schemas.microsoft.com/office/drawing/2014/main" id="{2617E86F-3A8E-4E9D-BFFA-C64302B77262}"/>
+                <a16:creationId xmlns:a16="http://schemas.microsoft.com/office/drawing/2014/main" id="{1B3EEEB0-D81F-4E33-8EC7-BFC84CBF42E9}"/>
               </a:ext>
             </a:extLst>
           </p:cNvPr>
@@ -20045,10 +20049,10 @@
         <mc:Choice xmlns:a14="http://schemas.microsoft.com/office/drawing/2010/main" Requires="a14">
           <p:sp>
             <p:nvSpPr>
-              <p:cNvPr id="337" name="TextBox 336">
+              <p:cNvPr id="456" name="TextBox 455">
                 <a:extLst>
                   <a:ext uri="{FF2B5EF4-FFF2-40B4-BE49-F238E27FC236}">
-                    <a16:creationId xmlns:a16="http://schemas.microsoft.com/office/drawing/2014/main" id="{67A2A9C1-EF6F-4A4B-AB74-A193F9867BFC}"/>
+                    <a16:creationId xmlns:a16="http://schemas.microsoft.com/office/drawing/2014/main" id="{B880D398-9A4A-4B38-A43F-6BE88D55F5D2}"/>
                   </a:ext>
                 </a:extLst>
               </p:cNvPr>
@@ -20071,6 +20075,7 @@
               </a:bodyPr>
               <a:lstStyle/>
               <a:p>
+                <a:pPr/>
                 <a14:m>
                   <m:oMathPara xmlns:m="http://schemas.openxmlformats.org/officeDocument/2006/math">
                     <m:oMathParaPr>
@@ -20094,10 +20099,10 @@
         <mc:Fallback>
           <p:sp>
             <p:nvSpPr>
-              <p:cNvPr id="337" name="TextBox 336">
+              <p:cNvPr id="456" name="TextBox 455">
                 <a:extLst>
                   <a:ext uri="{FF2B5EF4-FFF2-40B4-BE49-F238E27FC236}">
-                    <a16:creationId xmlns:a16="http://schemas.microsoft.com/office/drawing/2014/main" id="{67A2A9C1-EF6F-4A4B-AB74-A193F9867BFC}"/>
+                    <a16:creationId xmlns:a16="http://schemas.microsoft.com/office/drawing/2014/main" id="{B880D398-9A4A-4B38-A43F-6BE88D55F5D2}"/>
                   </a:ext>
                 </a:extLst>
               </p:cNvPr>
@@ -20140,10 +20145,10 @@
         <mc:Choice xmlns:a14="http://schemas.microsoft.com/office/drawing/2010/main" Requires="a14">
           <p:sp>
             <p:nvSpPr>
-              <p:cNvPr id="338" name="TextBox 337">
+              <p:cNvPr id="457" name="TextBox 456">
                 <a:extLst>
                   <a:ext uri="{FF2B5EF4-FFF2-40B4-BE49-F238E27FC236}">
-                    <a16:creationId xmlns:a16="http://schemas.microsoft.com/office/drawing/2014/main" id="{507E852A-8EFD-44EB-83B8-573B8A528C4F}"/>
+                    <a16:creationId xmlns:a16="http://schemas.microsoft.com/office/drawing/2014/main" id="{189D280F-6FF4-4F67-9F32-2A456DF2D601}"/>
                   </a:ext>
                 </a:extLst>
               </p:cNvPr>
@@ -20166,6 +20171,7 @@
               </a:bodyPr>
               <a:lstStyle/>
               <a:p>
+                <a:pPr/>
                 <a14:m>
                   <m:oMathPara xmlns:m="http://schemas.openxmlformats.org/officeDocument/2006/math">
                     <m:oMathParaPr>
@@ -20189,10 +20195,10 @@
         <mc:Fallback>
           <p:sp>
             <p:nvSpPr>
-              <p:cNvPr id="338" name="TextBox 337">
+              <p:cNvPr id="457" name="TextBox 456">
                 <a:extLst>
                   <a:ext uri="{FF2B5EF4-FFF2-40B4-BE49-F238E27FC236}">
-                    <a16:creationId xmlns:a16="http://schemas.microsoft.com/office/drawing/2014/main" id="{507E852A-8EFD-44EB-83B8-573B8A528C4F}"/>
+                    <a16:creationId xmlns:a16="http://schemas.microsoft.com/office/drawing/2014/main" id="{189D280F-6FF4-4F67-9F32-2A456DF2D601}"/>
                   </a:ext>
                 </a:extLst>
               </p:cNvPr>
@@ -20263,10 +20269,10 @@
       </p:grpSpPr>
       <p:pic>
         <p:nvPicPr>
-          <p:cNvPr id="156" name="Picture 155">
+          <p:cNvPr id="2" name="Picture 1">
             <a:extLst>
               <a:ext uri="{FF2B5EF4-FFF2-40B4-BE49-F238E27FC236}">
-                <a16:creationId xmlns:a16="http://schemas.microsoft.com/office/drawing/2014/main" id="{E1107CE5-91AA-466E-921B-893267C293B0}"/>
+                <a16:creationId xmlns:a16="http://schemas.microsoft.com/office/drawing/2014/main" id="{E135FB9D-8582-45A9-883F-72922FF03C9F}"/>
               </a:ext>
             </a:extLst>
           </p:cNvPr>
